--- a/FacilAsyncWindowsAppsStoreCSharpVisualBasic.pptx
+++ b/FacilAsyncWindowsAppsStoreCSharpVisualBasic.pptx
@@ -13,14 +13,14 @@
   <p:sldIdLst>
     <p:sldId id="1054" r:id="rId5"/>
     <p:sldId id="1175" r:id="rId6"/>
-    <p:sldId id="1152" r:id="rId7"/>
-    <p:sldId id="1153" r:id="rId8"/>
-    <p:sldId id="1154" r:id="rId9"/>
-    <p:sldId id="1155" r:id="rId10"/>
-    <p:sldId id="1156" r:id="rId11"/>
-    <p:sldId id="1157" r:id="rId12"/>
-    <p:sldId id="1158" r:id="rId13"/>
-    <p:sldId id="1159" r:id="rId14"/>
+    <p:sldId id="1178" r:id="rId7"/>
+    <p:sldId id="1152" r:id="rId8"/>
+    <p:sldId id="1153" r:id="rId9"/>
+    <p:sldId id="1154" r:id="rId10"/>
+    <p:sldId id="1155" r:id="rId11"/>
+    <p:sldId id="1156" r:id="rId12"/>
+    <p:sldId id="1157" r:id="rId13"/>
+    <p:sldId id="1158" r:id="rId14"/>
     <p:sldId id="1160" r:id="rId15"/>
     <p:sldId id="1161" r:id="rId16"/>
     <p:sldId id="1162" r:id="rId17"/>
@@ -140,6 +140,7 @@
           <p14:sldIdLst>
             <p14:sldId id="1054"/>
             <p14:sldId id="1175"/>
+            <p14:sldId id="1178"/>
             <p14:sldId id="1152"/>
             <p14:sldId id="1153"/>
             <p14:sldId id="1154"/>
@@ -147,7 +148,6 @@
             <p14:sldId id="1156"/>
             <p14:sldId id="1157"/>
             <p14:sldId id="1158"/>
-            <p14:sldId id="1159"/>
             <p14:sldId id="1160"/>
             <p14:sldId id="1161"/>
             <p14:sldId id="1162"/>
@@ -323,7 +323,7 @@
               <a:rPr lang="en-US" smtClean="0">
                 <a:latin typeface="Segoe UI" pitchFamily="34" charset="0"/>
               </a:rPr>
-              <a:t>12/3/2013 5:23 PM</a:t>
+              <a:t>12/4/2013 12:01 PM</a:t>
             </a:fld>
             <a:endParaRPr lang="en-US" dirty="0">
               <a:latin typeface="Segoe UI" pitchFamily="34" charset="0"/>
@@ -632,7 +632,7 @@
           <a:p>
             <a:fld id="{2DFDA5C7-BBAE-481E-8BF7-731156A2E2C1}" type="datetime8">
               <a:rPr lang="en-US" smtClean="0"/>
-              <a:t>12/3/2013 5:23 PM</a:t>
+              <a:t>12/4/2013 12:01 PM</a:t>
             </a:fld>
             <a:endParaRPr lang="en-US" dirty="0"/>
           </a:p>
@@ -967,7 +967,7 @@
           <a:p>
             <a:fld id="{677FBE4F-EDB0-402F-A0AC-9374915CF447}" type="datetime8">
               <a:rPr lang="en-US" smtClean="0"/>
-              <a:t>12/3/2013 5:33 PM</a:t>
+              <a:t>12/4/2013 12:24 PM</a:t>
             </a:fld>
             <a:endParaRPr lang="en-US" dirty="0"/>
           </a:p>
@@ -1133,99 +1133,6 @@
           <a:p>
             <a:fld id="{26C70BA7-54A9-4C9D-A4D9-4CF62DB81B3C}" type="slidenum">
               <a:rPr lang="en-US" smtClean="0"/>
-              <a:t>14</a:t>
-            </a:fld>
-            <a:endParaRPr lang="en-US"/>
-          </a:p>
-        </p:txBody>
-      </p:sp>
-    </p:spTree>
-    <p:extLst>
-      <p:ext uri="{BB962C8B-B14F-4D97-AF65-F5344CB8AC3E}">
-        <p14:creationId xmlns:p14="http://schemas.microsoft.com/office/powerpoint/2010/main" val="1520052843"/>
-      </p:ext>
-    </p:extLst>
-  </p:cSld>
-  <p:clrMapOvr>
-    <a:masterClrMapping/>
-  </p:clrMapOvr>
-</p:notes>
-</file>
-
-<file path=ppt/notesSlides/notesSlide11.xml><?xml version="1.0" encoding="utf-8"?>
-<p:notes xmlns:a="http://schemas.openxmlformats.org/drawingml/2006/main" xmlns:r="http://schemas.openxmlformats.org/officeDocument/2006/relationships" xmlns:p="http://schemas.openxmlformats.org/presentationml/2006/main">
-  <p:cSld>
-    <p:spTree>
-      <p:nvGrpSpPr>
-        <p:cNvPr id="1" name=""/>
-        <p:cNvGrpSpPr/>
-        <p:nvPr/>
-      </p:nvGrpSpPr>
-      <p:grpSpPr>
-        <a:xfrm>
-          <a:off x="0" y="0"/>
-          <a:ext cx="0" cy="0"/>
-          <a:chOff x="0" y="0"/>
-          <a:chExt cx="0" cy="0"/>
-        </a:xfrm>
-      </p:grpSpPr>
-      <p:sp>
-        <p:nvSpPr>
-          <p:cNvPr id="2" name="Slide Image Placeholder 1"/>
-          <p:cNvSpPr>
-            <a:spLocks noGrp="1" noRot="1" noChangeAspect="1"/>
-          </p:cNvSpPr>
-          <p:nvPr>
-            <p:ph type="sldImg"/>
-          </p:nvPr>
-        </p:nvSpPr>
-        <p:spPr>
-          <a:xfrm>
-            <a:off x="381000" y="685800"/>
-            <a:ext cx="6096000" cy="3429000"/>
-          </a:xfrm>
-        </p:spPr>
-      </p:sp>
-      <p:sp>
-        <p:nvSpPr>
-          <p:cNvPr id="3" name="Notes Placeholder 2"/>
-          <p:cNvSpPr>
-            <a:spLocks noGrp="1"/>
-          </p:cNvSpPr>
-          <p:nvPr>
-            <p:ph type="body" idx="1"/>
-          </p:nvPr>
-        </p:nvSpPr>
-        <p:spPr/>
-        <p:txBody>
-          <a:bodyPr/>
-          <a:lstStyle/>
-          <a:p>
-            <a:pPr marL="0" indent="0">
-              <a:buFont typeface="+mj-lt"/>
-              <a:buNone/>
-            </a:pPr>
-            <a:endParaRPr lang="en-US" dirty="0"/>
-          </a:p>
-        </p:txBody>
-      </p:sp>
-      <p:sp>
-        <p:nvSpPr>
-          <p:cNvPr id="4" name="Slide Number Placeholder 3"/>
-          <p:cNvSpPr>
-            <a:spLocks noGrp="1"/>
-          </p:cNvSpPr>
-          <p:nvPr>
-            <p:ph type="sldNum" sz="quarter" idx="10"/>
-          </p:nvPr>
-        </p:nvSpPr>
-        <p:spPr/>
-        <p:txBody>
-          <a:bodyPr/>
-          <a:lstStyle/>
-          <a:p>
-            <a:fld id="{26C70BA7-54A9-4C9D-A4D9-4CF62DB81B3C}" type="slidenum">
-              <a:rPr lang="en-US" smtClean="0"/>
               <a:t>18</a:t>
             </a:fld>
             <a:endParaRPr lang="en-US"/>
@@ -1245,7 +1152,7 @@
 </p:notes>
 </file>
 
-<file path=ppt/notesSlides/notesSlide12.xml><?xml version="1.0" encoding="utf-8"?>
+<file path=ppt/notesSlides/notesSlide11.xml><?xml version="1.0" encoding="utf-8"?>
 <p:notes xmlns:a="http://schemas.openxmlformats.org/drawingml/2006/main" xmlns:r="http://schemas.openxmlformats.org/officeDocument/2006/relationships" xmlns:p="http://schemas.openxmlformats.org/presentationml/2006/main">
   <p:cSld>
     <p:spTree>
@@ -1338,7 +1245,7 @@
 </p:notes>
 </file>
 
-<file path=ppt/notesSlides/notesSlide13.xml><?xml version="1.0" encoding="utf-8"?>
+<file path=ppt/notesSlides/notesSlide12.xml><?xml version="1.0" encoding="utf-8"?>
 <p:notes xmlns:a="http://schemas.openxmlformats.org/drawingml/2006/main" xmlns:r="http://schemas.openxmlformats.org/officeDocument/2006/relationships" xmlns:p="http://schemas.openxmlformats.org/presentationml/2006/main">
   <p:cSld>
     <p:spTree>
@@ -1422,6 +1329,187 @@
     <p:extLst>
       <p:ext uri="{BB962C8B-B14F-4D97-AF65-F5344CB8AC3E}">
         <p14:creationId xmlns:p14="http://schemas.microsoft.com/office/powerpoint/2010/main" val="1230001837"/>
+      </p:ext>
+    </p:extLst>
+  </p:cSld>
+  <p:clrMapOvr>
+    <a:masterClrMapping/>
+  </p:clrMapOvr>
+</p:notes>
+</file>
+
+<file path=ppt/notesSlides/notesSlide13.xml><?xml version="1.0" encoding="utf-8"?>
+<p:notes xmlns:a="http://schemas.openxmlformats.org/drawingml/2006/main" xmlns:r="http://schemas.openxmlformats.org/officeDocument/2006/relationships" xmlns:p="http://schemas.openxmlformats.org/presentationml/2006/main">
+  <p:cSld>
+    <p:spTree>
+      <p:nvGrpSpPr>
+        <p:cNvPr id="1" name=""/>
+        <p:cNvGrpSpPr/>
+        <p:nvPr/>
+      </p:nvGrpSpPr>
+      <p:grpSpPr>
+        <a:xfrm>
+          <a:off x="0" y="0"/>
+          <a:ext cx="0" cy="0"/>
+          <a:chOff x="0" y="0"/>
+          <a:chExt cx="0" cy="0"/>
+        </a:xfrm>
+      </p:grpSpPr>
+      <p:sp>
+        <p:nvSpPr>
+          <p:cNvPr id="2" name="Slide Image Placeholder 1"/>
+          <p:cNvSpPr>
+            <a:spLocks noGrp="1" noRot="1" noChangeAspect="1"/>
+          </p:cNvSpPr>
+          <p:nvPr>
+            <p:ph type="sldImg"/>
+          </p:nvPr>
+        </p:nvSpPr>
+        <p:spPr/>
+      </p:sp>
+      <p:sp>
+        <p:nvSpPr>
+          <p:cNvPr id="3" name="Notes Placeholder 2"/>
+          <p:cNvSpPr>
+            <a:spLocks noGrp="1"/>
+          </p:cNvSpPr>
+          <p:nvPr>
+            <p:ph type="body" idx="1"/>
+          </p:nvPr>
+        </p:nvSpPr>
+        <p:spPr/>
+        <p:txBody>
+          <a:bodyPr/>
+          <a:lstStyle/>
+          <a:p>
+            <a:endParaRPr lang="en-US"/>
+          </a:p>
+        </p:txBody>
+      </p:sp>
+      <p:sp>
+        <p:nvSpPr>
+          <p:cNvPr id="4" name="Header Placeholder 3"/>
+          <p:cNvSpPr>
+            <a:spLocks noGrp="1"/>
+          </p:cNvSpPr>
+          <p:nvPr>
+            <p:ph type="hdr" sz="quarter" idx="10"/>
+          </p:nvPr>
+        </p:nvSpPr>
+        <p:spPr/>
+        <p:txBody>
+          <a:bodyPr/>
+          <a:lstStyle/>
+          <a:p>
+            <a:endParaRPr lang="en-US" dirty="0"/>
+          </a:p>
+        </p:txBody>
+      </p:sp>
+      <p:sp>
+        <p:nvSpPr>
+          <p:cNvPr id="5" name="Footer Placeholder 4"/>
+          <p:cNvSpPr>
+            <a:spLocks noGrp="1"/>
+          </p:cNvSpPr>
+          <p:nvPr>
+            <p:ph type="ftr" sz="quarter" idx="11"/>
+          </p:nvPr>
+        </p:nvSpPr>
+        <p:spPr/>
+        <p:txBody>
+          <a:bodyPr/>
+          <a:lstStyle/>
+          <a:p>
+            <a:pPr defTabSz="914099" eaLnBrk="0" hangingPunct="0"/>
+            <a:r>
+              <a:rPr lang="en-US" sz="400" smtClean="0">
+                <a:gradFill>
+                  <a:gsLst>
+                    <a:gs pos="0">
+                      <a:prstClr val="black"/>
+                    </a:gs>
+                    <a:gs pos="100000">
+                      <a:prstClr val="black"/>
+                    </a:gs>
+                  </a:gsLst>
+                  <a:lin ang="5400000" scaled="0"/>
+                </a:gradFill>
+                <a:latin typeface="Segoe UI" pitchFamily="34" charset="0"/>
+                <a:ea typeface="Segoe UI" pitchFamily="34" charset="0"/>
+                <a:cs typeface="Segoe UI" pitchFamily="34" charset="0"/>
+              </a:rPr>
+              <a:t>© 2013 Microsoft Corporation. All rights reserved. Microsoft, Windows, and other product names are or may be registered trademarks and/or trademarks in the U.S. and/or other countries. The information herein is for informational purposes only and represents the current view of Microsoft Corporation as of the date of this presentation.  Because Microsoft must respond to changing market conditions, it should not be interpreted to be a commitment on the part of Microsoft, and Microsoft cannot guarantee the accuracy of any information provided after the date of this presentation.  MICROSOFT MAKES NO WARRANTIES, EXPRESS, IMPLIED OR STATUTORY, AS TO THE INFORMATION IN THIS PRESENTATION.</a:t>
+            </a:r>
+            <a:endParaRPr lang="en-US" sz="400" dirty="0" smtClean="0">
+              <a:gradFill>
+                <a:gsLst>
+                  <a:gs pos="0">
+                    <a:prstClr val="black"/>
+                  </a:gs>
+                  <a:gs pos="100000">
+                    <a:prstClr val="black"/>
+                  </a:gs>
+                </a:gsLst>
+                <a:lin ang="5400000" scaled="0"/>
+              </a:gradFill>
+              <a:latin typeface="Segoe UI" pitchFamily="34" charset="0"/>
+              <a:ea typeface="Segoe UI" pitchFamily="34" charset="0"/>
+              <a:cs typeface="Segoe UI" pitchFamily="34" charset="0"/>
+            </a:endParaRPr>
+          </a:p>
+        </p:txBody>
+      </p:sp>
+      <p:sp>
+        <p:nvSpPr>
+          <p:cNvPr id="6" name="Date Placeholder 5"/>
+          <p:cNvSpPr>
+            <a:spLocks noGrp="1"/>
+          </p:cNvSpPr>
+          <p:nvPr>
+            <p:ph type="dt" idx="12"/>
+          </p:nvPr>
+        </p:nvSpPr>
+        <p:spPr/>
+        <p:txBody>
+          <a:bodyPr/>
+          <a:lstStyle/>
+          <a:p>
+            <a:fld id="{2DFDA5C7-BBAE-481E-8BF7-731156A2E2C1}" type="datetime8">
+              <a:rPr lang="en-US" smtClean="0"/>
+              <a:t>12/4/2013 12:01 PM</a:t>
+            </a:fld>
+            <a:endParaRPr lang="en-US" dirty="0"/>
+          </a:p>
+        </p:txBody>
+      </p:sp>
+      <p:sp>
+        <p:nvSpPr>
+          <p:cNvPr id="7" name="Slide Number Placeholder 6"/>
+          <p:cNvSpPr>
+            <a:spLocks noGrp="1"/>
+          </p:cNvSpPr>
+          <p:nvPr>
+            <p:ph type="sldNum" sz="quarter" idx="13"/>
+          </p:nvPr>
+        </p:nvSpPr>
+        <p:spPr/>
+        <p:txBody>
+          <a:bodyPr/>
+          <a:lstStyle/>
+          <a:p>
+            <a:fld id="{B4008EB6-D09E-4580-8CD6-DDB14511944F}" type="slidenum">
+              <a:rPr lang="en-US" smtClean="0"/>
+              <a:pPr/>
+              <a:t>21</a:t>
+            </a:fld>
+            <a:endParaRPr lang="en-US" dirty="0"/>
+          </a:p>
+        </p:txBody>
+      </p:sp>
+    </p:spTree>
+    <p:extLst>
+      <p:ext uri="{BB962C8B-B14F-4D97-AF65-F5344CB8AC3E}">
+        <p14:creationId xmlns:p14="http://schemas.microsoft.com/office/powerpoint/2010/main" val="686665772"/>
       </p:ext>
     </p:extLst>
   </p:cSld>
@@ -1569,188 +1657,7 @@
           <a:p>
             <a:fld id="{2DFDA5C7-BBAE-481E-8BF7-731156A2E2C1}" type="datetime8">
               <a:rPr lang="en-US" smtClean="0"/>
-              <a:t>12/3/2013 6:04 PM</a:t>
-            </a:fld>
-            <a:endParaRPr lang="en-US" dirty="0"/>
-          </a:p>
-        </p:txBody>
-      </p:sp>
-      <p:sp>
-        <p:nvSpPr>
-          <p:cNvPr id="7" name="Slide Number Placeholder 6"/>
-          <p:cNvSpPr>
-            <a:spLocks noGrp="1"/>
-          </p:cNvSpPr>
-          <p:nvPr>
-            <p:ph type="sldNum" sz="quarter" idx="13"/>
-          </p:nvPr>
-        </p:nvSpPr>
-        <p:spPr/>
-        <p:txBody>
-          <a:bodyPr/>
-          <a:lstStyle/>
-          <a:p>
-            <a:fld id="{B4008EB6-D09E-4580-8CD6-DDB14511944F}" type="slidenum">
-              <a:rPr lang="en-US" smtClean="0"/>
-              <a:pPr/>
-              <a:t>21</a:t>
-            </a:fld>
-            <a:endParaRPr lang="en-US" dirty="0"/>
-          </a:p>
-        </p:txBody>
-      </p:sp>
-    </p:spTree>
-    <p:extLst>
-      <p:ext uri="{BB962C8B-B14F-4D97-AF65-F5344CB8AC3E}">
-        <p14:creationId xmlns:p14="http://schemas.microsoft.com/office/powerpoint/2010/main" val="686665772"/>
-      </p:ext>
-    </p:extLst>
-  </p:cSld>
-  <p:clrMapOvr>
-    <a:masterClrMapping/>
-  </p:clrMapOvr>
-</p:notes>
-</file>
-
-<file path=ppt/notesSlides/notesSlide15.xml><?xml version="1.0" encoding="utf-8"?>
-<p:notes xmlns:a="http://schemas.openxmlformats.org/drawingml/2006/main" xmlns:r="http://schemas.openxmlformats.org/officeDocument/2006/relationships" xmlns:p="http://schemas.openxmlformats.org/presentationml/2006/main">
-  <p:cSld>
-    <p:spTree>
-      <p:nvGrpSpPr>
-        <p:cNvPr id="1" name=""/>
-        <p:cNvGrpSpPr/>
-        <p:nvPr/>
-      </p:nvGrpSpPr>
-      <p:grpSpPr>
-        <a:xfrm>
-          <a:off x="0" y="0"/>
-          <a:ext cx="0" cy="0"/>
-          <a:chOff x="0" y="0"/>
-          <a:chExt cx="0" cy="0"/>
-        </a:xfrm>
-      </p:grpSpPr>
-      <p:sp>
-        <p:nvSpPr>
-          <p:cNvPr id="2" name="Slide Image Placeholder 1"/>
-          <p:cNvSpPr>
-            <a:spLocks noGrp="1" noRot="1" noChangeAspect="1"/>
-          </p:cNvSpPr>
-          <p:nvPr>
-            <p:ph type="sldImg"/>
-          </p:nvPr>
-        </p:nvSpPr>
-        <p:spPr/>
-      </p:sp>
-      <p:sp>
-        <p:nvSpPr>
-          <p:cNvPr id="3" name="Notes Placeholder 2"/>
-          <p:cNvSpPr>
-            <a:spLocks noGrp="1"/>
-          </p:cNvSpPr>
-          <p:nvPr>
-            <p:ph type="body" idx="1"/>
-          </p:nvPr>
-        </p:nvSpPr>
-        <p:spPr/>
-        <p:txBody>
-          <a:bodyPr/>
-          <a:lstStyle/>
-          <a:p>
-            <a:endParaRPr lang="en-US"/>
-          </a:p>
-        </p:txBody>
-      </p:sp>
-      <p:sp>
-        <p:nvSpPr>
-          <p:cNvPr id="4" name="Header Placeholder 3"/>
-          <p:cNvSpPr>
-            <a:spLocks noGrp="1"/>
-          </p:cNvSpPr>
-          <p:nvPr>
-            <p:ph type="hdr" sz="quarter" idx="10"/>
-          </p:nvPr>
-        </p:nvSpPr>
-        <p:spPr/>
-        <p:txBody>
-          <a:bodyPr/>
-          <a:lstStyle/>
-          <a:p>
-            <a:endParaRPr lang="en-US" dirty="0"/>
-          </a:p>
-        </p:txBody>
-      </p:sp>
-      <p:sp>
-        <p:nvSpPr>
-          <p:cNvPr id="5" name="Footer Placeholder 4"/>
-          <p:cNvSpPr>
-            <a:spLocks noGrp="1"/>
-          </p:cNvSpPr>
-          <p:nvPr>
-            <p:ph type="ftr" sz="quarter" idx="11"/>
-          </p:nvPr>
-        </p:nvSpPr>
-        <p:spPr/>
-        <p:txBody>
-          <a:bodyPr/>
-          <a:lstStyle/>
-          <a:p>
-            <a:pPr defTabSz="914099" eaLnBrk="0" hangingPunct="0"/>
-            <a:r>
-              <a:rPr lang="en-US" sz="400" smtClean="0">
-                <a:gradFill>
-                  <a:gsLst>
-                    <a:gs pos="0">
-                      <a:prstClr val="black"/>
-                    </a:gs>
-                    <a:gs pos="100000">
-                      <a:prstClr val="black"/>
-                    </a:gs>
-                  </a:gsLst>
-                  <a:lin ang="5400000" scaled="0"/>
-                </a:gradFill>
-                <a:latin typeface="Segoe UI" pitchFamily="34" charset="0"/>
-                <a:ea typeface="Segoe UI" pitchFamily="34" charset="0"/>
-                <a:cs typeface="Segoe UI" pitchFamily="34" charset="0"/>
-              </a:rPr>
-              <a:t>© 2013 Microsoft Corporation. All rights reserved. Microsoft, Windows, and other product names are or may be registered trademarks and/or trademarks in the U.S. and/or other countries. The information herein is for informational purposes only and represents the current view of Microsoft Corporation as of the date of this presentation.  Because Microsoft must respond to changing market conditions, it should not be interpreted to be a commitment on the part of Microsoft, and Microsoft cannot guarantee the accuracy of any information provided after the date of this presentation.  MICROSOFT MAKES NO WARRANTIES, EXPRESS, IMPLIED OR STATUTORY, AS TO THE INFORMATION IN THIS PRESENTATION.</a:t>
-            </a:r>
-            <a:endParaRPr lang="en-US" sz="400" dirty="0" smtClean="0">
-              <a:gradFill>
-                <a:gsLst>
-                  <a:gs pos="0">
-                    <a:prstClr val="black"/>
-                  </a:gs>
-                  <a:gs pos="100000">
-                    <a:prstClr val="black"/>
-                  </a:gs>
-                </a:gsLst>
-                <a:lin ang="5400000" scaled="0"/>
-              </a:gradFill>
-              <a:latin typeface="Segoe UI" pitchFamily="34" charset="0"/>
-              <a:ea typeface="Segoe UI" pitchFamily="34" charset="0"/>
-              <a:cs typeface="Segoe UI" pitchFamily="34" charset="0"/>
-            </a:endParaRPr>
-          </a:p>
-        </p:txBody>
-      </p:sp>
-      <p:sp>
-        <p:nvSpPr>
-          <p:cNvPr id="6" name="Date Placeholder 5"/>
-          <p:cNvSpPr>
-            <a:spLocks noGrp="1"/>
-          </p:cNvSpPr>
-          <p:nvPr>
-            <p:ph type="dt" idx="12"/>
-          </p:nvPr>
-        </p:nvSpPr>
-        <p:spPr/>
-        <p:txBody>
-          <a:bodyPr/>
-          <a:lstStyle/>
-          <a:p>
-            <a:fld id="{2DFDA5C7-BBAE-481E-8BF7-731156A2E2C1}" type="datetime8">
-              <a:rPr lang="en-US" smtClean="0"/>
-              <a:t>12/3/2013 5:43 PM</a:t>
+              <a:t>12/4/2013 12:01 PM</a:t>
             </a:fld>
             <a:endParaRPr lang="en-US" dirty="0"/>
           </a:p>
@@ -1793,7 +1700,7 @@
 </p:notes>
 </file>
 
-<file path=ppt/notesSlides/notesSlide16.xml><?xml version="1.0" encoding="utf-8"?>
+<file path=ppt/notesSlides/notesSlide15.xml><?xml version="1.0" encoding="utf-8"?>
 <p:notes xmlns:a="http://schemas.openxmlformats.org/drawingml/2006/main" xmlns:r="http://schemas.openxmlformats.org/officeDocument/2006/relationships" xmlns:p="http://schemas.openxmlformats.org/presentationml/2006/main">
   <p:cSld>
     <p:spTree>
@@ -1897,7 +1804,7 @@
           <a:p>
             <a:fld id="{88A14CBB-3B41-4EA9-BAC8-6B73863190D9}" type="datetime8">
               <a:rPr lang="en-US" smtClean="0"/>
-              <a:t>12/3/2013 5:23 PM</a:t>
+              <a:t>12/4/2013 12:01 PM</a:t>
             </a:fld>
             <a:endParaRPr lang="en-US" dirty="0"/>
           </a:p>
@@ -1989,7 +1896,7 @@
 </p:notes>
 </file>
 
-<file path=ppt/notesSlides/notesSlide17.xml><?xml version="1.0" encoding="utf-8"?>
+<file path=ppt/notesSlides/notesSlide16.xml><?xml version="1.0" encoding="utf-8"?>
 <p:notes xmlns:a="http://schemas.openxmlformats.org/drawingml/2006/main" xmlns:r="http://schemas.openxmlformats.org/officeDocument/2006/relationships" xmlns:p="http://schemas.openxmlformats.org/presentationml/2006/main">
   <p:cSld>
     <p:spTree>
@@ -2093,7 +2000,7 @@
           <a:p>
             <a:fld id="{88A14CBB-3B41-4EA9-BAC8-6B73863190D9}" type="datetime8">
               <a:rPr lang="en-US" smtClean="0"/>
-              <a:t>12/3/2013 7:04 PM</a:t>
+              <a:t>12/4/2013 12:01 PM</a:t>
             </a:fld>
             <a:endParaRPr lang="en-US" dirty="0"/>
           </a:p>
@@ -2262,7 +2169,7 @@
                 </a:solidFill>
               </a:rPr>
               <a:pPr/>
-              <a:t>4</a:t>
+              <a:t>5</a:t>
             </a:fld>
             <a:endParaRPr lang="en-US" dirty="0">
               <a:solidFill>
@@ -2429,7 +2336,7 @@
                 </a:solidFill>
               </a:rPr>
               <a:pPr/>
-              <a:t>5</a:t>
+              <a:t>6</a:t>
             </a:fld>
             <a:endParaRPr lang="en-US" dirty="0">
               <a:solidFill>
@@ -2593,7 +2500,7 @@
           <a:p>
             <a:fld id="{26C70BA7-54A9-4C9D-A4D9-4CF62DB81B3C}" type="slidenum">
               <a:rPr lang="en-US" smtClean="0"/>
-              <a:t>6</a:t>
+              <a:t>7</a:t>
             </a:fld>
             <a:endParaRPr lang="en-US"/>
           </a:p>
@@ -2686,7 +2593,7 @@
           <a:p>
             <a:fld id="{26C70BA7-54A9-4C9D-A4D9-4CF62DB81B3C}" type="slidenum">
               <a:rPr lang="en-US" smtClean="0"/>
-              <a:t>8</a:t>
+              <a:t>9</a:t>
             </a:fld>
             <a:endParaRPr lang="en-US"/>
           </a:p>
@@ -2779,7 +2686,7 @@
           <a:p>
             <a:fld id="{26C70BA7-54A9-4C9D-A4D9-4CF62DB81B3C}" type="slidenum">
               <a:rPr lang="en-US" smtClean="0"/>
-              <a:t>9</a:t>
+              <a:t>10</a:t>
             </a:fld>
             <a:endParaRPr lang="en-US"/>
           </a:p>
@@ -2864,7 +2771,7 @@
             <a:fld id="{8B263312-38AA-4E1E-B2B5-0F8F122B24FE}" type="slidenum">
               <a:rPr lang="en-US" smtClean="0"/>
               <a:pPr/>
-              <a:t>10</a:t>
+              <a:t>11</a:t>
             </a:fld>
             <a:endParaRPr lang="en-US" dirty="0"/>
           </a:p>
@@ -2873,7 +2780,7 @@
     </p:spTree>
     <p:extLst>
       <p:ext uri="{BB962C8B-B14F-4D97-AF65-F5344CB8AC3E}">
-        <p14:creationId xmlns:p14="http://schemas.microsoft.com/office/powerpoint/2010/main" val="3648000686"/>
+        <p14:creationId xmlns:p14="http://schemas.microsoft.com/office/powerpoint/2010/main" val="284537804"/>
       </p:ext>
     </p:extLst>
   </p:cSld>
@@ -2949,7 +2856,7 @@
             <a:fld id="{8B263312-38AA-4E1E-B2B5-0F8F122B24FE}" type="slidenum">
               <a:rPr lang="en-US" smtClean="0"/>
               <a:pPr/>
-              <a:t>11</a:t>
+              <a:t>12</a:t>
             </a:fld>
             <a:endParaRPr lang="en-US" dirty="0"/>
           </a:p>
@@ -2958,7 +2865,7 @@
     </p:spTree>
     <p:extLst>
       <p:ext uri="{BB962C8B-B14F-4D97-AF65-F5344CB8AC3E}">
-        <p14:creationId xmlns:p14="http://schemas.microsoft.com/office/powerpoint/2010/main" val="284537804"/>
+        <p14:creationId xmlns:p14="http://schemas.microsoft.com/office/powerpoint/2010/main" val="3458387516"/>
       </p:ext>
     </p:extLst>
   </p:cSld>
@@ -2995,7 +2902,12 @@
             <p:ph type="sldImg"/>
           </p:nvPr>
         </p:nvSpPr>
-        <p:spPr/>
+        <p:spPr>
+          <a:xfrm>
+            <a:off x="381000" y="685800"/>
+            <a:ext cx="6096000" cy="3429000"/>
+          </a:xfrm>
+        </p:spPr>
       </p:sp>
       <p:sp>
         <p:nvSpPr>
@@ -3012,6 +2924,10 @@
           <a:bodyPr/>
           <a:lstStyle/>
           <a:p>
+            <a:pPr marL="0" indent="0">
+              <a:buFont typeface="+mj-lt"/>
+              <a:buNone/>
+            </a:pPr>
             <a:endParaRPr lang="en-US" dirty="0"/>
           </a:p>
         </p:txBody>
@@ -3031,19 +2947,18 @@
           <a:bodyPr/>
           <a:lstStyle/>
           <a:p>
-            <a:fld id="{8B263312-38AA-4E1E-B2B5-0F8F122B24FE}" type="slidenum">
+            <a:fld id="{26C70BA7-54A9-4C9D-A4D9-4CF62DB81B3C}" type="slidenum">
               <a:rPr lang="en-US" smtClean="0"/>
-              <a:pPr/>
-              <a:t>12</a:t>
+              <a:t>14</a:t>
             </a:fld>
-            <a:endParaRPr lang="en-US" dirty="0"/>
+            <a:endParaRPr lang="en-US"/>
           </a:p>
         </p:txBody>
       </p:sp>
     </p:spTree>
     <p:extLst>
       <p:ext uri="{BB962C8B-B14F-4D97-AF65-F5344CB8AC3E}">
-        <p14:creationId xmlns:p14="http://schemas.microsoft.com/office/powerpoint/2010/main" val="3458387516"/>
+        <p14:creationId xmlns:p14="http://schemas.microsoft.com/office/powerpoint/2010/main" val="1520052843"/>
       </p:ext>
     </p:extLst>
   </p:cSld>
@@ -34549,47 +34464,138 @@
           </a:p>
         </p:txBody>
       </p:sp>
-      <p:pic>
-        <p:nvPicPr>
-          <p:cNvPr id="6" name="Picture 4" descr="http://pip.southworks.net/theme/southworks/sw_logo.png"/>
-          <p:cNvPicPr>
-            <a:picLocks noChangeAspect="1" noChangeArrowheads="1"/>
-          </p:cNvPicPr>
+      <p:grpSp>
+        <p:nvGrpSpPr>
+          <p:cNvPr id="3" name="Group 2"/>
+          <p:cNvGrpSpPr/>
           <p:nvPr/>
-        </p:nvPicPr>
-        <p:blipFill>
-          <a:blip r:embed="rId3">
+        </p:nvGrpSpPr>
+        <p:grpSpPr>
+          <a:xfrm>
+            <a:off x="8725003" y="6180164"/>
+            <a:ext cx="3357804" cy="394572"/>
+            <a:chOff x="8725003" y="6180164"/>
+            <a:chExt cx="3357804" cy="394572"/>
+          </a:xfrm>
+        </p:grpSpPr>
+        <p:sp>
+          <p:nvSpPr>
+            <p:cNvPr id="7" name="Rectangle 6"/>
+            <p:cNvSpPr/>
+            <p:nvPr/>
+          </p:nvSpPr>
+          <p:spPr bwMode="auto">
+            <a:xfrm>
+              <a:off x="8725003" y="6180164"/>
+              <a:ext cx="3357803" cy="394572"/>
+            </a:xfrm>
+            <a:prstGeom prst="rect">
+              <a:avLst/>
+            </a:prstGeom>
+            <a:solidFill>
+              <a:schemeClr val="tx1"/>
+            </a:solidFill>
+            <a:ln>
+              <a:noFill/>
+              <a:headEnd type="none" w="med" len="med"/>
+              <a:tailEnd type="none" w="med" len="med"/>
+            </a:ln>
+            <a:effectLst/>
+          </p:spPr>
+          <p:style>
+            <a:lnRef idx="1">
+              <a:schemeClr val="accent2"/>
+            </a:lnRef>
+            <a:fillRef idx="3">
+              <a:schemeClr val="accent2"/>
+            </a:fillRef>
+            <a:effectRef idx="2">
+              <a:schemeClr val="accent2"/>
+            </a:effectRef>
+            <a:fontRef idx="minor">
+              <a:schemeClr val="lt1"/>
+            </a:fontRef>
+          </p:style>
+          <p:txBody>
+            <a:bodyPr rot="0" spcFirstLastPara="0" vertOverflow="overflow" horzOverflow="overflow" vert="horz" wrap="square" lIns="182880" tIns="146304" rIns="182880" bIns="146304" numCol="1" spcCol="0" rtlCol="0" fromWordArt="0" anchor="t" anchorCtr="0" forceAA="0" compatLnSpc="1">
+              <a:prstTxWarp prst="textNoShape">
+                <a:avLst/>
+              </a:prstTxWarp>
+              <a:noAutofit/>
+            </a:bodyPr>
+            <a:lstStyle/>
+            <a:p>
+              <a:pPr algn="ctr" defTabSz="932472" fontAlgn="base">
+                <a:lnSpc>
+                  <a:spcPct val="90000"/>
+                </a:lnSpc>
+                <a:spcBef>
+                  <a:spcPct val="0"/>
+                </a:spcBef>
+                <a:spcAft>
+                  <a:spcPct val="0"/>
+                </a:spcAft>
+              </a:pPr>
+              <a:endParaRPr lang="en-US" sz="2400" dirty="0" smtClean="0">
+                <a:gradFill>
+                  <a:gsLst>
+                    <a:gs pos="0">
+                      <a:srgbClr val="FFFFFF"/>
+                    </a:gs>
+                    <a:gs pos="100000">
+                      <a:srgbClr val="FFFFFF"/>
+                    </a:gs>
+                  </a:gsLst>
+                  <a:lin ang="5400000" scaled="0"/>
+                </a:gradFill>
+                <a:ea typeface="Segoe UI" pitchFamily="34" charset="0"/>
+                <a:cs typeface="Segoe UI" pitchFamily="34" charset="0"/>
+              </a:endParaRPr>
+            </a:p>
+          </p:txBody>
+        </p:sp>
+        <p:pic>
+          <p:nvPicPr>
+            <p:cNvPr id="6" name="Picture 4" descr="http://pip.southworks.net/theme/southworks/sw_logo.png"/>
+            <p:cNvPicPr>
+              <a:picLocks noChangeAspect="1" noChangeArrowheads="1"/>
+            </p:cNvPicPr>
+            <p:nvPr/>
+          </p:nvPicPr>
+          <p:blipFill>
+            <a:blip r:embed="rId3">
+              <a:extLst>
+                <a:ext uri="{28A0092B-C50C-407E-A947-70E740481C1C}">
+                  <a14:useLocalDpi xmlns:a14="http://schemas.microsoft.com/office/drawing/2010/main" val="0"/>
+                </a:ext>
+              </a:extLst>
+            </a:blip>
+            <a:srcRect/>
+            <a:stretch>
+              <a:fillRect/>
+            </a:stretch>
+          </p:blipFill>
+          <p:spPr bwMode="auto">
+            <a:xfrm>
+              <a:off x="8725004" y="6208740"/>
+              <a:ext cx="3357803" cy="342000"/>
+            </a:xfrm>
+            <a:prstGeom prst="rect">
+              <a:avLst/>
+            </a:prstGeom>
+            <a:noFill/>
             <a:extLst>
-              <a:ext uri="{28A0092B-C50C-407E-A947-70E740481C1C}">
-                <a14:useLocalDpi xmlns:a14="http://schemas.microsoft.com/office/drawing/2010/main" val="0"/>
+              <a:ext uri="{909E8E84-426E-40DD-AFC4-6F175D3DCCD1}">
+                <a14:hiddenFill xmlns:a14="http://schemas.microsoft.com/office/drawing/2010/main">
+                  <a:solidFill>
+                    <a:srgbClr val="FFFFFF"/>
+                  </a:solidFill>
+                </a14:hiddenFill>
               </a:ext>
             </a:extLst>
-          </a:blip>
-          <a:srcRect/>
-          <a:stretch>
-            <a:fillRect/>
-          </a:stretch>
-        </p:blipFill>
-        <p:spPr bwMode="auto">
-          <a:xfrm>
-            <a:off x="8725004" y="6208740"/>
-            <a:ext cx="3357803" cy="342000"/>
-          </a:xfrm>
-          <a:prstGeom prst="rect">
-            <a:avLst/>
-          </a:prstGeom>
-          <a:noFill/>
-          <a:extLst>
-            <a:ext uri="{909E8E84-426E-40DD-AFC4-6F175D3DCCD1}">
-              <a14:hiddenFill xmlns:a14="http://schemas.microsoft.com/office/drawing/2010/main">
-                <a:solidFill>
-                  <a:srgbClr val="FFFFFF"/>
-                </a:solidFill>
-              </a14:hiddenFill>
-            </a:ext>
-          </a:extLst>
-        </p:spPr>
-      </p:pic>
+          </p:spPr>
+        </p:pic>
+      </p:grpSp>
       <p:pic>
         <p:nvPicPr>
           <p:cNvPr id="1028" name="Picture 4" descr="Fácil Async para Windows Apps Store en Microsoft Visual C # y Microsoft Visual Basic"/>
@@ -34633,6 +34639,82 @@
       </p:pic>
       <p:sp>
         <p:nvSpPr>
+          <p:cNvPr id="2" name="Rectangle 1"/>
+          <p:cNvSpPr/>
+          <p:nvPr/>
+        </p:nvSpPr>
+        <p:spPr bwMode="auto">
+          <a:xfrm>
+            <a:off x="6343650" y="3954464"/>
+            <a:ext cx="3074988" cy="1817686"/>
+          </a:xfrm>
+          <a:prstGeom prst="rect">
+            <a:avLst/>
+          </a:prstGeom>
+          <a:solidFill>
+            <a:schemeClr val="tx1"/>
+          </a:solidFill>
+          <a:ln>
+            <a:noFill/>
+            <a:headEnd type="none" w="med" len="med"/>
+            <a:tailEnd type="none" w="med" len="med"/>
+          </a:ln>
+          <a:effectLst/>
+        </p:spPr>
+        <p:style>
+          <a:lnRef idx="1">
+            <a:schemeClr val="accent2"/>
+          </a:lnRef>
+          <a:fillRef idx="3">
+            <a:schemeClr val="accent2"/>
+          </a:fillRef>
+          <a:effectRef idx="2">
+            <a:schemeClr val="accent2"/>
+          </a:effectRef>
+          <a:fontRef idx="minor">
+            <a:schemeClr val="lt1"/>
+          </a:fontRef>
+        </p:style>
+        <p:txBody>
+          <a:bodyPr rot="0" spcFirstLastPara="0" vertOverflow="overflow" horzOverflow="overflow" vert="horz" wrap="square" lIns="182880" tIns="146304" rIns="182880" bIns="146304" numCol="1" spcCol="0" rtlCol="0" fromWordArt="0" anchor="t" anchorCtr="0" forceAA="0" compatLnSpc="1">
+            <a:prstTxWarp prst="textNoShape">
+              <a:avLst/>
+            </a:prstTxWarp>
+            <a:noAutofit/>
+          </a:bodyPr>
+          <a:lstStyle/>
+          <a:p>
+            <a:pPr algn="ctr" defTabSz="932472" fontAlgn="base">
+              <a:lnSpc>
+                <a:spcPct val="90000"/>
+              </a:lnSpc>
+              <a:spcBef>
+                <a:spcPct val="0"/>
+              </a:spcBef>
+              <a:spcAft>
+                <a:spcPct val="0"/>
+              </a:spcAft>
+            </a:pPr>
+            <a:endParaRPr lang="en-US" sz="2400" dirty="0" smtClean="0">
+              <a:gradFill>
+                <a:gsLst>
+                  <a:gs pos="0">
+                    <a:srgbClr val="FFFFFF"/>
+                  </a:gs>
+                  <a:gs pos="100000">
+                    <a:srgbClr val="FFFFFF"/>
+                  </a:gs>
+                </a:gsLst>
+                <a:lin ang="5400000" scaled="0"/>
+              </a:gradFill>
+              <a:ea typeface="Segoe UI" pitchFamily="34" charset="0"/>
+              <a:cs typeface="Segoe UI" pitchFamily="34" charset="0"/>
+            </a:endParaRPr>
+          </a:p>
+        </p:txBody>
+      </p:sp>
+      <p:sp>
+        <p:nvSpPr>
           <p:cNvPr id="5" name="Text Placeholder 4"/>
           <p:cNvSpPr>
             <a:spLocks noGrp="1"/>
@@ -34643,8 +34725,8 @@
         </p:nvSpPr>
         <p:spPr>
           <a:xfrm>
-            <a:off x="274701" y="4014786"/>
-            <a:ext cx="6068949" cy="1711855"/>
+            <a:off x="274701" y="4007928"/>
+            <a:ext cx="9143937" cy="1711855"/>
           </a:xfrm>
         </p:spPr>
         <p:txBody>
@@ -34656,8 +34738,24 @@
               <a:t>Mariano </a:t>
             </a:r>
             <a:r>
+              <a:rPr lang="es-AR" sz="3350" dirty="0" err="1" smtClean="0"/>
+              <a:t>Converti</a:t>
+            </a:r>
+            <a:r>
               <a:rPr lang="es-AR" sz="3350" dirty="0" smtClean="0"/>
-              <a:t>Converti (@</a:t>
+              <a:t>, </a:t>
+            </a:r>
+            <a:r>
+              <a:rPr lang="es-AR" sz="3350" dirty="0" err="1" smtClean="0"/>
+              <a:t>Southworks</a:t>
+            </a:r>
+            <a:r>
+              <a:rPr lang="es-AR" sz="3350" dirty="0" smtClean="0"/>
+              <a:t> </a:t>
+            </a:r>
+            <a:r>
+              <a:rPr lang="es-AR" sz="3350" dirty="0" smtClean="0"/>
+              <a:t>(@</a:t>
             </a:r>
             <a:r>
               <a:rPr lang="es-AR" sz="3350" dirty="0" err="1" smtClean="0"/>
@@ -34674,7 +34772,23 @@
           <a:p>
             <a:r>
               <a:rPr lang="es-AR" sz="3350" dirty="0" smtClean="0"/>
-              <a:t>Jonathan Cisneros (@cisne)</a:t>
+              <a:t>Jonathan </a:t>
+            </a:r>
+            <a:r>
+              <a:rPr lang="es-AR" sz="3350" dirty="0"/>
+              <a:t>Cisneros, </a:t>
+            </a:r>
+            <a:r>
+              <a:rPr lang="es-AR" sz="3350" dirty="0" err="1"/>
+              <a:t>Southworks</a:t>
+            </a:r>
+            <a:r>
+              <a:rPr lang="es-AR" sz="3350" dirty="0"/>
+              <a:t> </a:t>
+            </a:r>
+            <a:r>
+              <a:rPr lang="es-AR" sz="3350" dirty="0" smtClean="0"/>
+              <a:t>(@cisne)</a:t>
             </a:r>
             <a:endParaRPr lang="es-AR" sz="3350" dirty="0"/>
           </a:p>
@@ -34731,675 +34845,52 @@
       </p:grpSpPr>
       <p:sp>
         <p:nvSpPr>
-          <p:cNvPr id="2" name="Title 1"/>
+          <p:cNvPr id="6" name="Title 1"/>
           <p:cNvSpPr>
             <a:spLocks noGrp="1"/>
           </p:cNvSpPr>
           <p:nvPr>
-            <p:ph type="title"/>
+            <p:ph type="title" idx="4294967295"/>
           </p:nvPr>
         </p:nvSpPr>
         <p:spPr>
           <a:xfrm>
-            <a:off x="531948" y="233150"/>
-            <a:ext cx="11370961" cy="1158305"/>
+            <a:off x="842674" y="2482850"/>
+            <a:ext cx="10751127" cy="2028825"/>
           </a:xfrm>
         </p:spPr>
         <p:txBody>
-          <a:bodyPr/>
+          <a:bodyPr anchor="ctr">
+            <a:noAutofit/>
+          </a:bodyPr>
           <a:lstStyle/>
           <a:p>
+            <a:pPr algn="ctr"/>
             <a:r>
-              <a:rPr lang="es-AR" dirty="0" err="1" smtClean="0"/>
-              <a:t>Awaitables</a:t>
-            </a:r>
-            <a:r>
-              <a:rPr lang="es-AR" dirty="0" smtClean="0"/>
-              <a:t/>
+              <a:rPr lang="es-AR" smtClean="0">
+                <a:latin typeface="Consolas" panose="020B0609020204030204" pitchFamily="49" charset="0"/>
+                <a:cs typeface="Consolas" panose="020B0609020204030204" pitchFamily="49" charset="0"/>
+              </a:rPr>
+              <a:t>await </a:t>
             </a:r>
             <a:br>
-              <a:rPr lang="es-AR" dirty="0" smtClean="0"/>
+              <a:rPr lang="es-AR" smtClean="0">
+                <a:latin typeface="Consolas" panose="020B0609020204030204" pitchFamily="49" charset="0"/>
+                <a:cs typeface="Consolas" panose="020B0609020204030204" pitchFamily="49" charset="0"/>
+              </a:rPr>
             </a:br>
             <a:r>
-              <a:rPr lang="es-AR" sz="2856" dirty="0" smtClean="0">
-                <a:solidFill>
-                  <a:schemeClr val="accent2"/>
-                </a:solidFill>
-              </a:rPr>
-              <a:t>Windows 8 </a:t>
+              <a:rPr lang="es-AR" smtClean="0"/>
+              <a:t>convierte el resto del método en un callback</a:t>
             </a:r>
-            <a:r>
-              <a:rPr lang="es-AR" sz="2856" dirty="0" err="1" smtClean="0">
-                <a:solidFill>
-                  <a:schemeClr val="accent2"/>
-                </a:solidFill>
-              </a:rPr>
-              <a:t>Developer</a:t>
-            </a:r>
-            <a:r>
-              <a:rPr lang="es-AR" sz="2856" dirty="0" smtClean="0">
-                <a:solidFill>
-                  <a:schemeClr val="accent2"/>
-                </a:solidFill>
-              </a:rPr>
-              <a:t> </a:t>
-            </a:r>
-            <a:r>
-              <a:rPr lang="es-AR" sz="2856" dirty="0" err="1" smtClean="0">
-                <a:solidFill>
-                  <a:schemeClr val="accent2"/>
-                </a:solidFill>
-              </a:rPr>
-              <a:t>Preview</a:t>
-            </a:r>
-            <a:endParaRPr lang="es-AR" sz="2448" dirty="0">
-              <a:solidFill>
-                <a:schemeClr val="accent2"/>
-              </a:solidFill>
-            </a:endParaRPr>
+            <a:endParaRPr lang="es-AR"/>
           </a:p>
         </p:txBody>
       </p:sp>
-      <p:sp>
-        <p:nvSpPr>
-          <p:cNvPr id="6" name="Content Placeholder 5"/>
-          <p:cNvSpPr>
-            <a:spLocks noGrp="1"/>
-          </p:cNvSpPr>
-          <p:nvPr>
-            <p:ph sz="half" idx="1"/>
-          </p:nvPr>
-        </p:nvSpPr>
-        <p:spPr>
-          <a:xfrm>
-            <a:off x="531948" y="1476622"/>
-            <a:ext cx="5595620" cy="4939796"/>
-          </a:xfrm>
-        </p:spPr>
-        <p:txBody>
-          <a:bodyPr/>
-          <a:lstStyle/>
-          <a:p>
-            <a:pPr marL="0" indent="0">
-              <a:buNone/>
-            </a:pPr>
-            <a:r>
-              <a:rPr lang="es-AR" dirty="0" err="1" smtClean="0">
-                <a:solidFill>
-                  <a:schemeClr val="tx1"/>
-                </a:solidFill>
-                <a:latin typeface="Consolas" pitchFamily="49" charset="0"/>
-                <a:cs typeface="Consolas" pitchFamily="49" charset="0"/>
-              </a:rPr>
-              <a:t>Task</a:t>
-            </a:r>
-            <a:endParaRPr lang="es-AR" dirty="0" smtClean="0">
-              <a:solidFill>
-                <a:schemeClr val="tx1"/>
-              </a:solidFill>
-              <a:latin typeface="Consolas" pitchFamily="49" charset="0"/>
-              <a:cs typeface="Consolas" pitchFamily="49" charset="0"/>
-            </a:endParaRPr>
-          </a:p>
-          <a:p>
-            <a:pPr marL="0" indent="0">
-              <a:buNone/>
-            </a:pPr>
-            <a:r>
-              <a:rPr lang="es-AR" dirty="0" err="1" smtClean="0">
-                <a:solidFill>
-                  <a:schemeClr val="tx1"/>
-                </a:solidFill>
-                <a:latin typeface="Consolas" pitchFamily="49" charset="0"/>
-                <a:cs typeface="Consolas" pitchFamily="49" charset="0"/>
-              </a:rPr>
-              <a:t>Task</a:t>
-            </a:r>
-            <a:r>
-              <a:rPr lang="es-AR" dirty="0" smtClean="0">
-                <a:solidFill>
-                  <a:schemeClr val="tx1"/>
-                </a:solidFill>
-                <a:latin typeface="Consolas" pitchFamily="49" charset="0"/>
-                <a:cs typeface="Consolas" pitchFamily="49" charset="0"/>
-              </a:rPr>
-              <a:t>&lt;</a:t>
-            </a:r>
-            <a:r>
-              <a:rPr lang="es-AR" dirty="0" err="1" smtClean="0">
-                <a:solidFill>
-                  <a:schemeClr val="tx1"/>
-                </a:solidFill>
-                <a:latin typeface="Consolas" pitchFamily="49" charset="0"/>
-                <a:cs typeface="Consolas" pitchFamily="49" charset="0"/>
-              </a:rPr>
-              <a:t>TResult</a:t>
-            </a:r>
-            <a:r>
-              <a:rPr lang="es-AR" dirty="0" smtClean="0">
-                <a:solidFill>
-                  <a:schemeClr val="tx1"/>
-                </a:solidFill>
-                <a:latin typeface="Consolas" pitchFamily="49" charset="0"/>
-                <a:cs typeface="Consolas" pitchFamily="49" charset="0"/>
-              </a:rPr>
-              <a:t>&gt;</a:t>
-            </a:r>
-          </a:p>
-          <a:p>
-            <a:endParaRPr lang="es-AR" dirty="0" smtClean="0"/>
-          </a:p>
-          <a:p>
-            <a:pPr marL="0" indent="0">
-              <a:buNone/>
-            </a:pPr>
-            <a:r>
-              <a:rPr lang="es-AR" dirty="0"/>
-              <a:t>Abstracciones </a:t>
-            </a:r>
-            <a:r>
-              <a:rPr lang="es-AR" dirty="0" err="1"/>
-              <a:t>async</a:t>
-            </a:r>
-            <a:r>
-              <a:rPr lang="es-AR" dirty="0" smtClean="0"/>
-              <a:t/>
-            </a:r>
-            <a:br>
-              <a:rPr lang="es-AR" dirty="0" smtClean="0"/>
-            </a:br>
-            <a:r>
-              <a:rPr lang="es-AR" dirty="0" smtClean="0"/>
-              <a:t>C# and Visual Basic </a:t>
-            </a:r>
-            <a:r>
-              <a:rPr lang="es-AR" dirty="0" err="1" smtClean="0"/>
-              <a:t>APIs</a:t>
-            </a:r>
-            <a:endParaRPr lang="es-AR" dirty="0" smtClean="0"/>
-          </a:p>
-          <a:p>
-            <a:pPr marL="0" indent="0">
-              <a:buNone/>
-            </a:pPr>
-            <a:endParaRPr lang="es-AR" sz="1428" dirty="0" smtClean="0"/>
-          </a:p>
-          <a:p>
-            <a:pPr marL="0" indent="0">
-              <a:buNone/>
-            </a:pPr>
-            <a:r>
-              <a:rPr lang="es-AR" i="1" dirty="0" smtClean="0">
-                <a:solidFill>
-                  <a:schemeClr val="accent1">
-                    <a:lumMod val="60000"/>
-                    <a:lumOff val="40000"/>
-                  </a:schemeClr>
-                </a:solidFill>
-              </a:rPr>
-              <a:t>Ya esta corriendo (</a:t>
-            </a:r>
-            <a:r>
-              <a:rPr lang="es-AR" i="1" dirty="0" err="1" smtClean="0">
-                <a:solidFill>
-                  <a:schemeClr val="accent1">
-                    <a:lumMod val="60000"/>
-                    <a:lumOff val="40000"/>
-                  </a:schemeClr>
-                </a:solidFill>
-              </a:rPr>
-              <a:t>Running</a:t>
-            </a:r>
-            <a:r>
-              <a:rPr lang="es-AR" i="1" dirty="0" smtClean="0">
-                <a:solidFill>
-                  <a:schemeClr val="accent1">
-                    <a:lumMod val="60000"/>
-                    <a:lumOff val="40000"/>
-                  </a:schemeClr>
-                </a:solidFill>
-              </a:rPr>
-              <a:t>)</a:t>
-            </a:r>
-            <a:endParaRPr lang="es-AR" i="1" dirty="0" smtClean="0">
-              <a:solidFill>
-                <a:schemeClr val="accent1">
-                  <a:lumMod val="60000"/>
-                  <a:lumOff val="40000"/>
-                </a:schemeClr>
-              </a:solidFill>
-            </a:endParaRPr>
-          </a:p>
-          <a:p>
-            <a:pPr marL="0" indent="0">
-              <a:buNone/>
-            </a:pPr>
-            <a:endParaRPr lang="es-AR" sz="1428" dirty="0" smtClean="0"/>
-          </a:p>
-          <a:p>
-            <a:pPr marL="0" indent="0">
-              <a:buNone/>
-            </a:pPr>
-            <a:r>
-              <a:rPr lang="es-AR" dirty="0" err="1" smtClean="0">
-                <a:solidFill>
-                  <a:schemeClr val="tx1"/>
-                </a:solidFill>
-                <a:latin typeface="Consolas" pitchFamily="49" charset="0"/>
-                <a:cs typeface="Consolas" pitchFamily="49" charset="0"/>
-              </a:rPr>
-              <a:t>await</a:t>
-            </a:r>
-            <a:r>
-              <a:rPr lang="es-AR" b="1" dirty="0" smtClean="0"/>
-              <a:t> directamente</a:t>
-            </a:r>
-          </a:p>
-          <a:p>
-            <a:pPr marL="0" indent="0">
-              <a:buNone/>
-            </a:pPr>
-            <a:r>
-              <a:rPr lang="es-AR" dirty="0" err="1" smtClean="0">
-                <a:solidFill>
-                  <a:schemeClr val="tx1"/>
-                </a:solidFill>
-                <a:latin typeface="Consolas" pitchFamily="49" charset="0"/>
-                <a:cs typeface="Consolas" pitchFamily="49" charset="0"/>
-              </a:rPr>
-              <a:t>await</a:t>
-            </a:r>
-            <a:r>
-              <a:rPr lang="es-AR" b="1" dirty="0" smtClean="0"/>
-              <a:t> múltiples veces</a:t>
-            </a:r>
-          </a:p>
-          <a:p>
-            <a:pPr marL="0" indent="0">
-              <a:buNone/>
-            </a:pPr>
-            <a:r>
-              <a:rPr lang="es-AR" b="1" dirty="0" smtClean="0"/>
-              <a:t>Guardar y </a:t>
-            </a:r>
-            <a:r>
-              <a:rPr lang="es-AR" dirty="0" err="1" smtClean="0">
-                <a:solidFill>
-                  <a:schemeClr val="tx1"/>
-                </a:solidFill>
-                <a:latin typeface="Consolas" pitchFamily="49" charset="0"/>
-                <a:cs typeface="Consolas" pitchFamily="49" charset="0"/>
-              </a:rPr>
-              <a:t>await</a:t>
-            </a:r>
-            <a:r>
-              <a:rPr lang="es-AR" b="1" dirty="0" smtClean="0"/>
-              <a:t> después</a:t>
-            </a:r>
-            <a:endParaRPr lang="es-AR" b="1" dirty="0" smtClean="0"/>
-          </a:p>
-        </p:txBody>
-      </p:sp>
-      <p:sp>
-        <p:nvSpPr>
-          <p:cNvPr id="5" name="Content Placeholder 4"/>
-          <p:cNvSpPr>
-            <a:spLocks noGrp="1"/>
-          </p:cNvSpPr>
-          <p:nvPr>
-            <p:ph sz="half" idx="2"/>
-          </p:nvPr>
-        </p:nvSpPr>
-        <p:spPr>
-          <a:xfrm>
-            <a:off x="6307287" y="1476622"/>
-            <a:ext cx="5718457" cy="5326843"/>
-          </a:xfrm>
-        </p:spPr>
-        <p:txBody>
-          <a:bodyPr/>
-          <a:lstStyle/>
-          <a:p>
-            <a:pPr marL="0" indent="0">
-              <a:buNone/>
-            </a:pPr>
-            <a:r>
-              <a:rPr lang="es-AR" dirty="0" err="1" smtClean="0">
-                <a:solidFill>
-                  <a:schemeClr val="tx1"/>
-                </a:solidFill>
-                <a:latin typeface="Consolas" pitchFamily="49" charset="0"/>
-                <a:cs typeface="Consolas" pitchFamily="49" charset="0"/>
-              </a:rPr>
-              <a:t>IAsyncAction</a:t>
-            </a:r>
-            <a:endParaRPr lang="es-AR" dirty="0" smtClean="0">
-              <a:solidFill>
-                <a:schemeClr val="tx1"/>
-              </a:solidFill>
-              <a:latin typeface="Consolas" pitchFamily="49" charset="0"/>
-              <a:cs typeface="Consolas" pitchFamily="49" charset="0"/>
-            </a:endParaRPr>
-          </a:p>
-          <a:p>
-            <a:pPr marL="0" indent="0">
-              <a:buNone/>
-            </a:pPr>
-            <a:r>
-              <a:rPr lang="es-AR" dirty="0" err="1" smtClean="0">
-                <a:solidFill>
-                  <a:schemeClr val="tx1"/>
-                </a:solidFill>
-                <a:latin typeface="Consolas" pitchFamily="49" charset="0"/>
-                <a:cs typeface="Consolas" pitchFamily="49" charset="0"/>
-              </a:rPr>
-              <a:t>IAsyncOperation</a:t>
-            </a:r>
-            <a:r>
-              <a:rPr lang="es-AR" dirty="0" smtClean="0">
-                <a:solidFill>
-                  <a:schemeClr val="tx1"/>
-                </a:solidFill>
-                <a:latin typeface="Consolas" pitchFamily="49" charset="0"/>
-                <a:cs typeface="Consolas" pitchFamily="49" charset="0"/>
-              </a:rPr>
-              <a:t>&lt;</a:t>
-            </a:r>
-            <a:r>
-              <a:rPr lang="es-AR" dirty="0" err="1" smtClean="0">
-                <a:solidFill>
-                  <a:schemeClr val="tx1"/>
-                </a:solidFill>
-                <a:latin typeface="Consolas" pitchFamily="49" charset="0"/>
-                <a:cs typeface="Consolas" pitchFamily="49" charset="0"/>
-              </a:rPr>
-              <a:t>TResult</a:t>
-            </a:r>
-            <a:r>
-              <a:rPr lang="es-AR" dirty="0" smtClean="0">
-                <a:solidFill>
-                  <a:schemeClr val="tx1"/>
-                </a:solidFill>
-                <a:latin typeface="Consolas" pitchFamily="49" charset="0"/>
-                <a:cs typeface="Consolas" pitchFamily="49" charset="0"/>
-              </a:rPr>
-              <a:t>&gt;</a:t>
-            </a:r>
-          </a:p>
-          <a:p>
-            <a:endParaRPr lang="es-AR" dirty="0" smtClean="0"/>
-          </a:p>
-          <a:p>
-            <a:pPr marL="0" indent="0">
-              <a:buNone/>
-            </a:pPr>
-            <a:r>
-              <a:rPr lang="es-AR" dirty="0"/>
-              <a:t>Abstracciones </a:t>
-            </a:r>
-            <a:r>
-              <a:rPr lang="es-AR" dirty="0" err="1"/>
-              <a:t>async</a:t>
-            </a:r>
-            <a:r>
-              <a:rPr lang="es-AR" dirty="0" smtClean="0"/>
-              <a:t/>
-            </a:r>
-            <a:br>
-              <a:rPr lang="es-AR" dirty="0" smtClean="0"/>
-            </a:br>
-            <a:r>
-              <a:rPr lang="es-AR" dirty="0" smtClean="0"/>
-              <a:t>Windows </a:t>
-            </a:r>
-            <a:r>
-              <a:rPr lang="es-AR" dirty="0" err="1" smtClean="0"/>
-              <a:t>Runtime</a:t>
-            </a:r>
-            <a:r>
-              <a:rPr lang="es-AR" dirty="0" smtClean="0"/>
-              <a:t> </a:t>
-            </a:r>
-            <a:r>
-              <a:rPr lang="es-AR" dirty="0" err="1" smtClean="0"/>
-              <a:t>APIs</a:t>
-            </a:r>
-            <a:endParaRPr lang="es-AR" dirty="0" smtClean="0"/>
-          </a:p>
-          <a:p>
-            <a:pPr marL="0" indent="0">
-              <a:buNone/>
-            </a:pPr>
-            <a:endParaRPr lang="es-AR" sz="1428" dirty="0" smtClean="0"/>
-          </a:p>
-          <a:p>
-            <a:pPr marL="0" indent="0">
-              <a:buNone/>
-            </a:pPr>
-            <a:r>
-              <a:rPr lang="es-AR" i="1" dirty="0" smtClean="0">
-                <a:solidFill>
-                  <a:schemeClr val="accent2"/>
-                </a:solidFill>
-              </a:rPr>
-              <a:t>Debe ser comenzada manualmente</a:t>
-            </a:r>
-          </a:p>
-          <a:p>
-            <a:pPr marL="0" indent="0">
-              <a:buNone/>
-            </a:pPr>
-            <a:endParaRPr lang="es-AR" sz="1428" dirty="0" smtClean="0"/>
-          </a:p>
-          <a:p>
-            <a:pPr marL="0" indent="0">
-              <a:buNone/>
-            </a:pPr>
-            <a:r>
-              <a:rPr lang="es-AR" dirty="0" err="1" smtClean="0">
-                <a:solidFill>
-                  <a:schemeClr val="tx1"/>
-                </a:solidFill>
-                <a:latin typeface="Consolas" pitchFamily="49" charset="0"/>
-                <a:cs typeface="Consolas" pitchFamily="49" charset="0"/>
-              </a:rPr>
-              <a:t>await</a:t>
-            </a:r>
-            <a:r>
-              <a:rPr lang="es-AR" b="1" dirty="0" smtClean="0"/>
-              <a:t> directamente</a:t>
-            </a:r>
-          </a:p>
-          <a:p>
-            <a:pPr marL="0" indent="0">
-              <a:buNone/>
-            </a:pPr>
-            <a:r>
-              <a:rPr lang="es-AR" dirty="0" err="1" smtClean="0">
-                <a:solidFill>
-                  <a:schemeClr val="tx1"/>
-                </a:solidFill>
-                <a:latin typeface="Consolas" pitchFamily="49" charset="0"/>
-                <a:cs typeface="Consolas" pitchFamily="49" charset="0"/>
-              </a:rPr>
-              <a:t>await</a:t>
-            </a:r>
-            <a:r>
-              <a:rPr lang="es-AR" b="1" dirty="0" smtClean="0"/>
-              <a:t> solo una vez</a:t>
-            </a:r>
-          </a:p>
-          <a:p>
-            <a:pPr marL="0" indent="0">
-              <a:buNone/>
-            </a:pPr>
-            <a:r>
-              <a:rPr lang="es-AR" dirty="0" err="1" smtClean="0">
-                <a:solidFill>
-                  <a:schemeClr val="tx1"/>
-                </a:solidFill>
-                <a:latin typeface="Consolas" pitchFamily="49" charset="0"/>
-                <a:cs typeface="Consolas" pitchFamily="49" charset="0"/>
-              </a:rPr>
-              <a:t>StartAsTask</a:t>
-            </a:r>
-            <a:r>
-              <a:rPr lang="es-AR" b="1" dirty="0" smtClean="0"/>
-              <a:t> y </a:t>
-            </a:r>
-            <a:r>
-              <a:rPr lang="es-AR" b="1" dirty="0" err="1" smtClean="0"/>
-              <a:t>await</a:t>
-            </a:r>
-            <a:r>
-              <a:rPr lang="es-AR" b="1" dirty="0" smtClean="0"/>
-              <a:t> después</a:t>
-            </a:r>
-          </a:p>
-          <a:p>
-            <a:endParaRPr lang="es-AR" b="1" dirty="0"/>
-          </a:p>
-        </p:txBody>
-      </p:sp>
-      <p:cxnSp>
-        <p:nvCxnSpPr>
-          <p:cNvPr id="7" name="Straight Connector 6"/>
-          <p:cNvCxnSpPr/>
-          <p:nvPr/>
-        </p:nvCxnSpPr>
-        <p:spPr>
-          <a:xfrm>
-            <a:off x="6431821" y="4302806"/>
-            <a:ext cx="5364000" cy="0"/>
-          </a:xfrm>
-          <a:prstGeom prst="line">
-            <a:avLst/>
-          </a:prstGeom>
-          <a:ln w="38100">
-            <a:solidFill>
-              <a:schemeClr val="accent1">
-                <a:lumMod val="60000"/>
-                <a:lumOff val="40000"/>
-              </a:schemeClr>
-            </a:solidFill>
-          </a:ln>
-          <a:effectLst>
-            <a:outerShdw blurRad="50800" dist="38100" dir="2700000" algn="tl" rotWithShape="0">
-              <a:prstClr val="black">
-                <a:alpha val="40000"/>
-              </a:prstClr>
-            </a:outerShdw>
-          </a:effectLst>
-        </p:spPr>
-        <p:style>
-          <a:lnRef idx="1">
-            <a:schemeClr val="accent1"/>
-          </a:lnRef>
-          <a:fillRef idx="0">
-            <a:schemeClr val="accent1"/>
-          </a:fillRef>
-          <a:effectRef idx="0">
-            <a:schemeClr val="accent1"/>
-          </a:effectRef>
-          <a:fontRef idx="minor">
-            <a:schemeClr val="tx1"/>
-          </a:fontRef>
-        </p:style>
-      </p:cxnSp>
-      <p:cxnSp>
-        <p:nvCxnSpPr>
-          <p:cNvPr id="8" name="Straight Connector 7"/>
-          <p:cNvCxnSpPr/>
-          <p:nvPr/>
-        </p:nvCxnSpPr>
-        <p:spPr>
-          <a:xfrm>
-            <a:off x="6431821" y="5501094"/>
-            <a:ext cx="3024000" cy="0"/>
-          </a:xfrm>
-          <a:prstGeom prst="line">
-            <a:avLst/>
-          </a:prstGeom>
-          <a:ln w="38100">
-            <a:solidFill>
-              <a:schemeClr val="accent1">
-                <a:lumMod val="60000"/>
-                <a:lumOff val="40000"/>
-              </a:schemeClr>
-            </a:solidFill>
-          </a:ln>
-          <a:effectLst>
-            <a:outerShdw blurRad="50800" dist="38100" dir="2700000" algn="tl" rotWithShape="0">
-              <a:prstClr val="black">
-                <a:alpha val="40000"/>
-              </a:prstClr>
-            </a:outerShdw>
-          </a:effectLst>
-        </p:spPr>
-        <p:style>
-          <a:lnRef idx="1">
-            <a:schemeClr val="accent1"/>
-          </a:lnRef>
-          <a:fillRef idx="0">
-            <a:schemeClr val="accent1"/>
-          </a:fillRef>
-          <a:effectRef idx="0">
-            <a:schemeClr val="accent1"/>
-          </a:effectRef>
-          <a:fontRef idx="minor">
-            <a:schemeClr val="tx1"/>
-          </a:fontRef>
-        </p:style>
-      </p:cxnSp>
-      <p:cxnSp>
-        <p:nvCxnSpPr>
-          <p:cNvPr id="9" name="Straight Connector 8"/>
-          <p:cNvCxnSpPr/>
-          <p:nvPr/>
-        </p:nvCxnSpPr>
-        <p:spPr>
-          <a:xfrm>
-            <a:off x="6431819" y="5990890"/>
-            <a:ext cx="4680000" cy="0"/>
-          </a:xfrm>
-          <a:prstGeom prst="line">
-            <a:avLst/>
-          </a:prstGeom>
-          <a:ln w="38100">
-            <a:solidFill>
-              <a:schemeClr val="accent1">
-                <a:lumMod val="60000"/>
-                <a:lumOff val="40000"/>
-              </a:schemeClr>
-            </a:solidFill>
-          </a:ln>
-          <a:effectLst>
-            <a:outerShdw blurRad="50800" dist="38100" dir="2700000" algn="tl" rotWithShape="0">
-              <a:prstClr val="black">
-                <a:alpha val="40000"/>
-              </a:prstClr>
-            </a:outerShdw>
-          </a:effectLst>
-        </p:spPr>
-        <p:style>
-          <a:lnRef idx="1">
-            <a:schemeClr val="accent1"/>
-          </a:lnRef>
-          <a:fillRef idx="0">
-            <a:schemeClr val="accent1"/>
-          </a:fillRef>
-          <a:effectRef idx="0">
-            <a:schemeClr val="accent1"/>
-          </a:effectRef>
-          <a:fontRef idx="minor">
-            <a:schemeClr val="tx1"/>
-          </a:fontRef>
-        </p:style>
-      </p:cxnSp>
     </p:spTree>
     <p:extLst>
       <p:ext uri="{BB962C8B-B14F-4D97-AF65-F5344CB8AC3E}">
-        <p14:creationId xmlns:p14="http://schemas.microsoft.com/office/powerpoint/2010/main" val="2677178734"/>
+        <p14:creationId xmlns:p14="http://schemas.microsoft.com/office/powerpoint/2010/main" val="3421112980"/>
       </p:ext>
     </p:extLst>
   </p:cSld>
@@ -35412,171 +34903,7 @@
   <p:timing>
     <p:tnLst>
       <p:par>
-        <p:cTn id="1" dur="indefinite" restart="never" nodeType="tmRoot">
-          <p:childTnLst>
-            <p:seq concurrent="1" nextAc="seek">
-              <p:cTn id="2" dur="indefinite" nodeType="mainSeq">
-                <p:childTnLst>
-                  <p:par>
-                    <p:cTn id="3" fill="hold">
-                      <p:stCondLst>
-                        <p:cond delay="indefinite"/>
-                      </p:stCondLst>
-                      <p:childTnLst>
-                        <p:par>
-                          <p:cTn id="4" fill="hold">
-                            <p:stCondLst>
-                              <p:cond delay="0"/>
-                            </p:stCondLst>
-                            <p:childTnLst>
-                              <p:par>
-                                <p:cTn id="5" presetID="22" presetClass="entr" presetSubtype="8" fill="hold" nodeType="clickEffect">
-                                  <p:stCondLst>
-                                    <p:cond delay="0"/>
-                                  </p:stCondLst>
-                                  <p:childTnLst>
-                                    <p:set>
-                                      <p:cBhvr>
-                                        <p:cTn id="6" dur="1" fill="hold">
-                                          <p:stCondLst>
-                                            <p:cond delay="0"/>
-                                          </p:stCondLst>
-                                        </p:cTn>
-                                        <p:tgtEl>
-                                          <p:spTgt spid="7"/>
-                                        </p:tgtEl>
-                                        <p:attrNameLst>
-                                          <p:attrName>style.visibility</p:attrName>
-                                        </p:attrNameLst>
-                                      </p:cBhvr>
-                                      <p:to>
-                                        <p:strVal val="visible"/>
-                                      </p:to>
-                                    </p:set>
-                                    <p:animEffect transition="in" filter="wipe(left)">
-                                      <p:cBhvr>
-                                        <p:cTn id="7" dur="500"/>
-                                        <p:tgtEl>
-                                          <p:spTgt spid="7"/>
-                                        </p:tgtEl>
-                                      </p:cBhvr>
-                                    </p:animEffect>
-                                  </p:childTnLst>
-                                </p:cTn>
-                              </p:par>
-                            </p:childTnLst>
-                          </p:cTn>
-                        </p:par>
-                        <p:par>
-                          <p:cTn id="8" fill="hold">
-                            <p:stCondLst>
-                              <p:cond delay="500"/>
-                            </p:stCondLst>
-                            <p:childTnLst>
-                              <p:par>
-                                <p:cTn id="9" presetID="22" presetClass="entr" presetSubtype="8" fill="hold" nodeType="afterEffect">
-                                  <p:stCondLst>
-                                    <p:cond delay="0"/>
-                                  </p:stCondLst>
-                                  <p:childTnLst>
-                                    <p:set>
-                                      <p:cBhvr>
-                                        <p:cTn id="10" dur="1" fill="hold">
-                                          <p:stCondLst>
-                                            <p:cond delay="0"/>
-                                          </p:stCondLst>
-                                        </p:cTn>
-                                        <p:tgtEl>
-                                          <p:spTgt spid="8"/>
-                                        </p:tgtEl>
-                                        <p:attrNameLst>
-                                          <p:attrName>style.visibility</p:attrName>
-                                        </p:attrNameLst>
-                                      </p:cBhvr>
-                                      <p:to>
-                                        <p:strVal val="visible"/>
-                                      </p:to>
-                                    </p:set>
-                                    <p:animEffect transition="in" filter="wipe(left)">
-                                      <p:cBhvr>
-                                        <p:cTn id="11" dur="500"/>
-                                        <p:tgtEl>
-                                          <p:spTgt spid="8"/>
-                                        </p:tgtEl>
-                                      </p:cBhvr>
-                                    </p:animEffect>
-                                  </p:childTnLst>
-                                </p:cTn>
-                              </p:par>
-                            </p:childTnLst>
-                          </p:cTn>
-                        </p:par>
-                        <p:par>
-                          <p:cTn id="12" fill="hold">
-                            <p:stCondLst>
-                              <p:cond delay="1000"/>
-                            </p:stCondLst>
-                            <p:childTnLst>
-                              <p:par>
-                                <p:cTn id="13" presetID="22" presetClass="entr" presetSubtype="8" fill="hold" nodeType="afterEffect">
-                                  <p:stCondLst>
-                                    <p:cond delay="0"/>
-                                  </p:stCondLst>
-                                  <p:childTnLst>
-                                    <p:set>
-                                      <p:cBhvr>
-                                        <p:cTn id="14" dur="1" fill="hold">
-                                          <p:stCondLst>
-                                            <p:cond delay="0"/>
-                                          </p:stCondLst>
-                                        </p:cTn>
-                                        <p:tgtEl>
-                                          <p:spTgt spid="9"/>
-                                        </p:tgtEl>
-                                        <p:attrNameLst>
-                                          <p:attrName>style.visibility</p:attrName>
-                                        </p:attrNameLst>
-                                      </p:cBhvr>
-                                      <p:to>
-                                        <p:strVal val="visible"/>
-                                      </p:to>
-                                    </p:set>
-                                    <p:animEffect transition="in" filter="wipe(left)">
-                                      <p:cBhvr>
-                                        <p:cTn id="15" dur="500"/>
-                                        <p:tgtEl>
-                                          <p:spTgt spid="9"/>
-                                        </p:tgtEl>
-                                      </p:cBhvr>
-                                    </p:animEffect>
-                                  </p:childTnLst>
-                                </p:cTn>
-                              </p:par>
-                            </p:childTnLst>
-                          </p:cTn>
-                        </p:par>
-                      </p:childTnLst>
-                    </p:cTn>
-                  </p:par>
-                </p:childTnLst>
-              </p:cTn>
-              <p:prevCondLst>
-                <p:cond evt="onPrev" delay="0">
-                  <p:tgtEl>
-                    <p:sldTgt/>
-                  </p:tgtEl>
-                </p:cond>
-              </p:prevCondLst>
-              <p:nextCondLst>
-                <p:cond evt="onNext" delay="0">
-                  <p:tgtEl>
-                    <p:sldTgt/>
-                  </p:tgtEl>
-                </p:cond>
-              </p:nextCondLst>
-            </p:seq>
-          </p:childTnLst>
-        </p:cTn>
+        <p:cTn id="1" dur="indefinite" restart="never" nodeType="tmRoot"/>
       </p:par>
     </p:tnLst>
   </p:timing>
@@ -35623,46 +34950,6 @@
             <a:r>
               <a:rPr lang="es-AR" dirty="0" err="1" smtClean="0"/>
               <a:t>Awaitables</a:t>
-            </a:r>
-            <a:r>
-              <a:rPr lang="es-AR" dirty="0" smtClean="0"/>
-              <a:t/>
-            </a:r>
-            <a:br>
-              <a:rPr lang="es-AR" dirty="0" smtClean="0"/>
-            </a:br>
-            <a:r>
-              <a:rPr lang="es-AR" sz="2856" dirty="0" smtClean="0">
-                <a:solidFill>
-                  <a:schemeClr val="accent1">
-                    <a:lumMod val="60000"/>
-                    <a:lumOff val="40000"/>
-                  </a:schemeClr>
-                </a:solidFill>
-              </a:rPr>
-              <a:t>Windows 8 </a:t>
-            </a:r>
-            <a:r>
-              <a:rPr lang="es-AR" sz="2856" dirty="0" err="1" smtClean="0">
-                <a:solidFill>
-                  <a:schemeClr val="accent1">
-                    <a:lumMod val="60000"/>
-                    <a:lumOff val="40000"/>
-                  </a:schemeClr>
-                </a:solidFill>
-              </a:rPr>
-              <a:t>Release</a:t>
-            </a:r>
-            <a:r>
-              <a:rPr lang="es-AR" sz="2856" dirty="0" smtClean="0">
-                <a:solidFill>
-                  <a:schemeClr val="accent1">
-                    <a:lumMod val="60000"/>
-                    <a:lumOff val="40000"/>
-                  </a:schemeClr>
-                </a:solidFill>
-              </a:rPr>
-              <a:t> RTM</a:t>
             </a:r>
             <a:endParaRPr lang="es-AR" sz="2448" dirty="0">
               <a:solidFill>
@@ -35903,13 +35190,8 @@
             </a:r>
             <a:r>
               <a:rPr lang="es-AR" b="1" dirty="0" smtClean="0"/>
-              <a:t> despu</a:t>
+              <a:t> después</a:t>
             </a:r>
-            <a:r>
-              <a:rPr lang="es-AR" b="1" dirty="0" smtClean="0"/>
-              <a:t>és</a:t>
-            </a:r>
-            <a:endParaRPr lang="es-AR" b="1" dirty="0" smtClean="0"/>
           </a:p>
         </p:txBody>
       </p:sp>
@@ -36197,7 +35479,6 @@
               <a:rPr lang="es-AR" b="1" dirty="0"/>
               <a:t> después</a:t>
             </a:r>
-            <a:endParaRPr lang="es-AR" b="1" dirty="0"/>
           </a:p>
         </p:txBody>
       </p:sp>
@@ -37885,11 +37166,7 @@
             </a:r>
             <a:r>
               <a:rPr lang="es-AR" dirty="0" smtClean="0"/>
-              <a:t> permite</a:t>
-            </a:r>
-            <a:r>
-              <a:rPr lang="es-AR" dirty="0" smtClean="0"/>
-              <a:t> consumir </a:t>
+              <a:t> permite consumir </a:t>
             </a:r>
             <a:r>
               <a:rPr lang="es-AR" dirty="0" err="1" smtClean="0"/>
@@ -37974,11 +37251,11 @@
           <a:lstStyle/>
           <a:p>
             <a:r>
-              <a:rPr lang="en-US" b="1" smtClean="0"/>
+              <a:rPr lang="en-US" b="1" dirty="0" smtClean="0"/>
               <a:t>http://</a:t>
             </a:r>
             <a:r>
-              <a:rPr lang="en-US" sz="5400" b="1" smtClean="0"/>
+              <a:rPr lang="en-US" sz="5400" b="1" dirty="0" smtClean="0"/>
               <a:t>blogs.southworks.net/about-us</a:t>
             </a:r>
             <a:endParaRPr lang="es-AR" b="1" dirty="0"/>
@@ -38519,169 +37796,227 @@
           <a:p>
             <a:pPr marL="571500" indent="-571500"/>
             <a:r>
-              <a:rPr lang="en-US" sz="3400" dirty="0"/>
-              <a:t>Asynchronous Programming with </a:t>
+              <a:rPr lang="es-AR" sz="3000" dirty="0" err="1" smtClean="0"/>
+              <a:t>Asynchronous</a:t>
             </a:r>
             <a:r>
-              <a:rPr lang="en-US" sz="3400" dirty="0" err="1"/>
+              <a:rPr lang="es-AR" sz="3000" dirty="0" smtClean="0"/>
+              <a:t> </a:t>
+            </a:r>
+            <a:r>
+              <a:rPr lang="es-AR" sz="3000" dirty="0" err="1" smtClean="0"/>
+              <a:t>Programming</a:t>
+            </a:r>
+            <a:r>
+              <a:rPr lang="es-AR" sz="3000" dirty="0" smtClean="0"/>
+              <a:t> </a:t>
+            </a:r>
+            <a:r>
+              <a:rPr lang="es-AR" sz="3000" dirty="0" err="1" smtClean="0"/>
+              <a:t>with</a:t>
+            </a:r>
+            <a:r>
+              <a:rPr lang="es-AR" sz="3000" dirty="0" smtClean="0"/>
+              <a:t> </a:t>
+            </a:r>
+            <a:r>
+              <a:rPr lang="es-AR" sz="3000" dirty="0" err="1" smtClean="0"/>
               <a:t>Async</a:t>
             </a:r>
             <a:r>
-              <a:rPr lang="en-US" sz="3400" dirty="0"/>
+              <a:rPr lang="es-AR" sz="3000" dirty="0" smtClean="0"/>
               <a:t> and </a:t>
             </a:r>
             <a:r>
-              <a:rPr lang="en-US" sz="3400" dirty="0" smtClean="0"/>
-              <a:t>Await </a:t>
+              <a:rPr lang="es-AR" sz="3000" dirty="0" err="1" smtClean="0"/>
+              <a:t>Await</a:t>
             </a:r>
             <a:r>
-              <a:rPr lang="en-US" sz="3400" dirty="0">
+              <a:rPr lang="es-AR" sz="3000" dirty="0" smtClean="0"/>
+              <a:t> </a:t>
+            </a:r>
+            <a:r>
+              <a:rPr lang="es-AR" sz="3000" dirty="0" smtClean="0">
                 <a:hlinkClick r:id="rId3"/>
               </a:rPr>
               <a:t>http://msdn.microsoft.com/en-us/library/hh191443.aspx</a:t>
             </a:r>
-            <a:endParaRPr lang="es-AR" sz="3400" dirty="0" smtClean="0"/>
+            <a:endParaRPr lang="es-AR" sz="3000" dirty="0" smtClean="0"/>
           </a:p>
           <a:p>
             <a:pPr marL="571500" indent="-571500"/>
             <a:r>
-              <a:rPr lang="es-AR" sz="3400" dirty="0" err="1" smtClean="0"/>
+              <a:rPr lang="es-AR" sz="3000" dirty="0" err="1" smtClean="0"/>
               <a:t>Asynchronous</a:t>
             </a:r>
             <a:r>
-              <a:rPr lang="es-AR" sz="3400" dirty="0" smtClean="0"/>
+              <a:rPr lang="es-AR" sz="3000" dirty="0" smtClean="0"/>
               <a:t> I/O in C#: </a:t>
             </a:r>
             <a:r>
-              <a:rPr lang="es-AR" sz="3400" dirty="0" err="1" smtClean="0"/>
+              <a:rPr lang="es-AR" sz="3000" dirty="0" err="1" smtClean="0"/>
               <a:t>Introduction</a:t>
             </a:r>
             <a:r>
-              <a:rPr lang="es-AR" sz="3400" dirty="0" smtClean="0"/>
+              <a:rPr lang="es-AR" sz="3000" dirty="0" smtClean="0"/>
               <a:t> </a:t>
             </a:r>
             <a:r>
-              <a:rPr lang="es-AR" sz="3400" dirty="0" smtClean="0">
+              <a:rPr lang="es-AR" sz="3000" dirty="0" smtClean="0">
                 <a:hlinkClick r:id="rId4"/>
               </a:rPr>
               <a:t>http://blogs.southworks.net/dschenkelman/2013/08/02/asynchronous-io-in-c-introduction</a:t>
             </a:r>
-            <a:endParaRPr lang="es-AR" sz="3400" dirty="0" smtClean="0"/>
+            <a:endParaRPr lang="es-AR" sz="3000" dirty="0" smtClean="0"/>
           </a:p>
           <a:p>
             <a:pPr marL="571500" indent="-571500"/>
             <a:r>
-              <a:rPr lang="es-AR" sz="3400" dirty="0" err="1" smtClean="0"/>
+              <a:rPr lang="es-AR" sz="3000" dirty="0" err="1" smtClean="0"/>
               <a:t>Asynchronous</a:t>
             </a:r>
             <a:r>
-              <a:rPr lang="es-AR" sz="3400" dirty="0" smtClean="0"/>
+              <a:rPr lang="es-AR" sz="3000" dirty="0" smtClean="0"/>
               <a:t> I/O in C#: </a:t>
             </a:r>
             <a:r>
-              <a:rPr lang="es-AR" sz="3400" dirty="0" err="1" smtClean="0"/>
+              <a:rPr lang="es-AR" sz="3000" dirty="0" err="1" smtClean="0"/>
               <a:t>Why</a:t>
             </a:r>
             <a:r>
-              <a:rPr lang="es-AR" sz="3400" dirty="0" smtClean="0"/>
+              <a:rPr lang="es-AR" sz="3000" dirty="0" smtClean="0"/>
               <a:t> </a:t>
             </a:r>
             <a:r>
-              <a:rPr lang="es-AR" sz="3400" dirty="0" err="1" smtClean="0"/>
+              <a:rPr lang="es-AR" sz="3000" dirty="0" err="1" smtClean="0"/>
               <a:t>tasks</a:t>
             </a:r>
             <a:r>
-              <a:rPr lang="es-AR" sz="3400" dirty="0" smtClean="0"/>
+              <a:rPr lang="es-AR" sz="3000" dirty="0" smtClean="0"/>
               <a:t> (</a:t>
             </a:r>
             <a:r>
-              <a:rPr lang="es-AR" sz="3400" dirty="0" err="1" smtClean="0"/>
+              <a:rPr lang="es-AR" sz="3000" dirty="0" err="1" smtClean="0"/>
               <a:t>aka</a:t>
             </a:r>
             <a:r>
-              <a:rPr lang="es-AR" sz="3400" dirty="0" smtClean="0"/>
+              <a:rPr lang="es-AR" sz="3000" dirty="0" smtClean="0"/>
               <a:t> </a:t>
             </a:r>
             <a:r>
-              <a:rPr lang="es-AR" sz="3400" dirty="0" err="1" smtClean="0"/>
+              <a:rPr lang="es-AR" sz="3000" dirty="0" err="1" smtClean="0"/>
               <a:t>promises</a:t>
             </a:r>
             <a:r>
-              <a:rPr lang="es-AR" sz="3400" dirty="0" smtClean="0"/>
+              <a:rPr lang="es-AR" sz="3000" dirty="0" smtClean="0"/>
               <a:t>, </a:t>
             </a:r>
             <a:r>
-              <a:rPr lang="es-AR" sz="3400" dirty="0" err="1" smtClean="0"/>
+              <a:rPr lang="es-AR" sz="3000" dirty="0" err="1" smtClean="0"/>
               <a:t>futures</a:t>
             </a:r>
             <a:r>
-              <a:rPr lang="es-AR" sz="3400" dirty="0" smtClean="0"/>
+              <a:rPr lang="es-AR" sz="3000" dirty="0" smtClean="0"/>
               <a:t>)? </a:t>
             </a:r>
             <a:r>
-              <a:rPr lang="es-AR" sz="3400" dirty="0" smtClean="0">
+              <a:rPr lang="es-AR" sz="3000" dirty="0" smtClean="0">
                 <a:hlinkClick r:id="rId5"/>
               </a:rPr>
               <a:t>http://blogs.southworks.net/dschenkelman/2013/11/29/asynchronous-io-in-c-why-tasks-a-k-a-promises-futures</a:t>
             </a:r>
             <a:r>
-              <a:rPr lang="es-AR" sz="3400" dirty="0" smtClean="0"/>
+              <a:rPr lang="es-AR" sz="3000" dirty="0" smtClean="0"/>
               <a:t> </a:t>
             </a:r>
           </a:p>
           <a:p>
             <a:pPr marL="571500" indent="-571500"/>
             <a:r>
-              <a:rPr lang="es-AR" sz="3400" dirty="0" err="1" smtClean="0"/>
+              <a:rPr lang="es-AR" sz="3000" dirty="0" err="1" smtClean="0"/>
               <a:t>Three</a:t>
             </a:r>
             <a:r>
-              <a:rPr lang="es-AR" sz="3400" dirty="0" smtClean="0"/>
+              <a:rPr lang="es-AR" sz="3000" dirty="0" smtClean="0"/>
               <a:t> </a:t>
             </a:r>
             <a:r>
-              <a:rPr lang="es-AR" sz="3400" dirty="0" err="1" smtClean="0"/>
+              <a:rPr lang="es-AR" sz="3000" dirty="0" err="1" smtClean="0"/>
               <a:t>Essential</a:t>
             </a:r>
             <a:r>
-              <a:rPr lang="es-AR" sz="3400" dirty="0" smtClean="0"/>
+              <a:rPr lang="es-AR" sz="3000" dirty="0" smtClean="0"/>
               <a:t> </a:t>
             </a:r>
             <a:r>
-              <a:rPr lang="es-AR" sz="3400" dirty="0" err="1" smtClean="0"/>
+              <a:rPr lang="es-AR" sz="3000" dirty="0" err="1" smtClean="0"/>
               <a:t>Tips</a:t>
             </a:r>
             <a:r>
-              <a:rPr lang="es-AR" sz="3400" dirty="0" smtClean="0"/>
+              <a:rPr lang="es-AR" sz="3000" dirty="0" smtClean="0"/>
               <a:t> </a:t>
             </a:r>
             <a:r>
-              <a:rPr lang="es-AR" sz="3400" dirty="0" err="1" smtClean="0"/>
+              <a:rPr lang="es-AR" sz="3000" dirty="0" err="1" smtClean="0"/>
               <a:t>for</a:t>
             </a:r>
             <a:r>
-              <a:rPr lang="es-AR" sz="3400" dirty="0" smtClean="0"/>
+              <a:rPr lang="es-AR" sz="3000" dirty="0" smtClean="0"/>
               <a:t> </a:t>
             </a:r>
             <a:r>
-              <a:rPr lang="es-AR" sz="3400" dirty="0" err="1" smtClean="0"/>
+              <a:rPr lang="es-AR" sz="3000" dirty="0" err="1" smtClean="0"/>
               <a:t>Async</a:t>
             </a:r>
             <a:r>
-              <a:rPr lang="es-AR" sz="3400" dirty="0" smtClean="0"/>
+              <a:rPr lang="es-AR" sz="3000" dirty="0" smtClean="0"/>
               <a:t> </a:t>
             </a:r>
             <a:r>
-              <a:rPr lang="es-AR" sz="3400" dirty="0" smtClean="0">
+              <a:rPr lang="es-AR" sz="3000" dirty="0" smtClean="0">
                 <a:hlinkClick r:id="rId6"/>
               </a:rPr>
               <a:t>http://channel9.msdn.com/Series/Three-Essential-Tips-for-Async</a:t>
             </a:r>
-            <a:endParaRPr lang="es-AR" sz="3400" dirty="0" smtClean="0"/>
+            <a:endParaRPr lang="es-AR" sz="3000" dirty="0" smtClean="0"/>
           </a:p>
           <a:p>
             <a:pPr marL="571500" indent="-571500"/>
-            <a:endParaRPr lang="es-AR" sz="3400" dirty="0"/>
+            <a:r>
+              <a:rPr lang="es-AR" sz="3000" dirty="0" err="1" smtClean="0"/>
+              <a:t>Talk</a:t>
+            </a:r>
+            <a:r>
+              <a:rPr lang="es-AR" sz="3000" dirty="0" smtClean="0"/>
+              <a:t>: </a:t>
+            </a:r>
+            <a:r>
+              <a:rPr lang="es-AR" sz="3000" dirty="0" err="1" smtClean="0"/>
+              <a:t>The</a:t>
+            </a:r>
+            <a:r>
+              <a:rPr lang="es-AR" sz="3000" dirty="0" smtClean="0"/>
+              <a:t> Complete </a:t>
+            </a:r>
+            <a:r>
+              <a:rPr lang="es-AR" sz="3000" dirty="0" err="1" smtClean="0"/>
+              <a:t>Async</a:t>
+            </a:r>
+            <a:r>
+              <a:rPr lang="es-AR" sz="3000" dirty="0" smtClean="0"/>
+              <a:t> </a:t>
+            </a:r>
+            <a:r>
+              <a:rPr lang="es-AR" sz="3000" dirty="0" smtClean="0">
+                <a:hlinkClick r:id="rId7"/>
+              </a:rPr>
+              <a:t>http://blogs.msdn.com/b/lucian/archive/2013/06/28/talk-the-complete-async-three-talks-from-teched-europe-2013.aspx</a:t>
+            </a:r>
+            <a:endParaRPr lang="es-AR" sz="3000" dirty="0" smtClean="0"/>
+          </a:p>
+          <a:p>
+            <a:pPr marL="571500" indent="-571500"/>
+            <a:endParaRPr lang="es-AR" sz="3000" dirty="0"/>
           </a:p>
         </p:txBody>
       </p:sp>
@@ -39786,13 +39121,13 @@
   <p:clrMapOvr>
     <a:masterClrMapping/>
   </p:clrMapOvr>
-  <mc:AlternateContent xmlns:mc="http://schemas.openxmlformats.org/markup-compatibility/2006">
-    <mc:Choice xmlns:p14="http://schemas.microsoft.com/office/powerpoint/2010/main" Requires="p14">
+  <mc:AlternateContent xmlns:mc="http://schemas.openxmlformats.org/markup-compatibility/2006" xmlns:p14="http://schemas.microsoft.com/office/powerpoint/2010/main">
+    <mc:Choice Requires="p14">
       <p:transition spd="med" p14:dur="700">
         <p:fade/>
       </p:transition>
     </mc:Choice>
-    <mc:Fallback>
+    <mc:Fallback xmlns="">
       <p:transition spd="med">
         <p:fade/>
       </p:transition>
@@ -39809,6 +39144,406 @@
 </file>
 
 <file path=ppt/slides/slide3.xml><?xml version="1.0" encoding="utf-8"?>
+<p:sld xmlns:a="http://schemas.openxmlformats.org/drawingml/2006/main" xmlns:r="http://schemas.openxmlformats.org/officeDocument/2006/relationships" xmlns:p="http://schemas.openxmlformats.org/presentationml/2006/main">
+  <p:cSld>
+    <p:spTree>
+      <p:nvGrpSpPr>
+        <p:cNvPr id="1" name=""/>
+        <p:cNvGrpSpPr/>
+        <p:nvPr/>
+      </p:nvGrpSpPr>
+      <p:grpSpPr>
+        <a:xfrm>
+          <a:off x="0" y="0"/>
+          <a:ext cx="0" cy="0"/>
+          <a:chOff x="0" y="0"/>
+          <a:chExt cx="0" cy="0"/>
+        </a:xfrm>
+      </p:grpSpPr>
+      <p:sp>
+        <p:nvSpPr>
+          <p:cNvPr id="8" name="Title 1"/>
+          <p:cNvSpPr>
+            <a:spLocks noGrp="1"/>
+          </p:cNvSpPr>
+          <p:nvPr>
+            <p:ph type="title"/>
+          </p:nvPr>
+        </p:nvSpPr>
+        <p:spPr>
+          <a:xfrm>
+            <a:off x="839416" y="2857500"/>
+            <a:ext cx="10513168" cy="1143000"/>
+          </a:xfrm>
+        </p:spPr>
+        <p:txBody>
+          <a:bodyPr>
+            <a:noAutofit/>
+          </a:bodyPr>
+          <a:lstStyle/>
+          <a:p>
+            <a:r>
+              <a:rPr lang="es-AR" b="1" dirty="0" smtClean="0"/>
+              <a:t>http://</a:t>
+            </a:r>
+            <a:r>
+              <a:rPr lang="es-AR" sz="5400" b="1" dirty="0" smtClean="0"/>
+              <a:t>blogs.southworks.net/about-us</a:t>
+            </a:r>
+            <a:endParaRPr lang="es-AR" b="1" dirty="0"/>
+          </a:p>
+        </p:txBody>
+      </p:sp>
+      <p:sp>
+        <p:nvSpPr>
+          <p:cNvPr id="3" name="Rectangle 2"/>
+          <p:cNvSpPr/>
+          <p:nvPr/>
+        </p:nvSpPr>
+        <p:spPr bwMode="auto">
+          <a:xfrm>
+            <a:off x="1" y="0"/>
+            <a:ext cx="12436474" cy="6994525"/>
+          </a:xfrm>
+          <a:prstGeom prst="rect">
+            <a:avLst/>
+          </a:prstGeom>
+          <a:solidFill>
+            <a:schemeClr val="tx1">
+              <a:alpha val="69000"/>
+            </a:schemeClr>
+          </a:solidFill>
+          <a:ln>
+            <a:noFill/>
+            <a:headEnd type="none" w="med" len="med"/>
+            <a:tailEnd type="none" w="med" len="med"/>
+          </a:ln>
+          <a:effectLst/>
+        </p:spPr>
+        <p:style>
+          <a:lnRef idx="1">
+            <a:schemeClr val="accent2"/>
+          </a:lnRef>
+          <a:fillRef idx="3">
+            <a:schemeClr val="accent2"/>
+          </a:fillRef>
+          <a:effectRef idx="2">
+            <a:schemeClr val="accent2"/>
+          </a:effectRef>
+          <a:fontRef idx="minor">
+            <a:schemeClr val="lt1"/>
+          </a:fontRef>
+        </p:style>
+        <p:txBody>
+          <a:bodyPr rot="0" spcFirstLastPara="0" vertOverflow="overflow" horzOverflow="overflow" vert="horz" wrap="square" lIns="91440" tIns="45720" rIns="45720" bIns="91440" numCol="1" spcCol="0" rtlCol="0" fromWordArt="0" anchor="b" anchorCtr="0" forceAA="0" compatLnSpc="1">
+            <a:prstTxWarp prst="textNoShape">
+              <a:avLst/>
+            </a:prstTxWarp>
+            <a:noAutofit/>
+          </a:bodyPr>
+          <a:lstStyle/>
+          <a:p>
+            <a:pPr algn="ctr" defTabSz="914099" fontAlgn="base">
+              <a:spcBef>
+                <a:spcPct val="0"/>
+              </a:spcBef>
+              <a:spcAft>
+                <a:spcPct val="0"/>
+              </a:spcAft>
+            </a:pPr>
+            <a:endParaRPr lang="es-AR" spc="-50" dirty="0" smtClean="0">
+              <a:gradFill>
+                <a:gsLst>
+                  <a:gs pos="0">
+                    <a:srgbClr val="FFFFFF"/>
+                  </a:gs>
+                  <a:gs pos="100000">
+                    <a:srgbClr val="FFFFFF"/>
+                  </a:gs>
+                </a:gsLst>
+                <a:lin ang="5400000" scaled="0"/>
+              </a:gradFill>
+              <a:latin typeface="Segoe UI" pitchFamily="34" charset="0"/>
+              <a:ea typeface="Segoe UI" pitchFamily="34" charset="0"/>
+              <a:cs typeface="Segoe UI" pitchFamily="34" charset="0"/>
+            </a:endParaRPr>
+          </a:p>
+        </p:txBody>
+      </p:sp>
+      <p:pic>
+        <p:nvPicPr>
+          <p:cNvPr id="4" name="Picture 3"/>
+          <p:cNvPicPr>
+            <a:picLocks noChangeAspect="1"/>
+          </p:cNvPicPr>
+          <p:nvPr/>
+        </p:nvPicPr>
+        <p:blipFill>
+          <a:blip r:embed="rId2">
+            <a:extLst>
+              <a:ext uri="{28A0092B-C50C-407E-A947-70E740481C1C}">
+                <a14:useLocalDpi xmlns:a14="http://schemas.microsoft.com/office/drawing/2010/main"/>
+              </a:ext>
+            </a:extLst>
+          </a:blip>
+          <a:stretch>
+            <a:fillRect/>
+          </a:stretch>
+        </p:blipFill>
+        <p:spPr>
+          <a:xfrm>
+            <a:off x="5756914" y="2637912"/>
+            <a:ext cx="640080" cy="619089"/>
+          </a:xfrm>
+          <a:prstGeom prst="rect">
+            <a:avLst/>
+          </a:prstGeom>
+        </p:spPr>
+      </p:pic>
+      <p:sp>
+        <p:nvSpPr>
+          <p:cNvPr id="5" name="TextBox 4"/>
+          <p:cNvSpPr txBox="1"/>
+          <p:nvPr/>
+        </p:nvSpPr>
+        <p:spPr>
+          <a:xfrm>
+            <a:off x="2957612" y="3402253"/>
+            <a:ext cx="6521251" cy="307777"/>
+          </a:xfrm>
+          <a:prstGeom prst="rect">
+            <a:avLst/>
+          </a:prstGeom>
+          <a:noFill/>
+        </p:spPr>
+        <p:txBody>
+          <a:bodyPr wrap="square" lIns="0" tIns="0" rIns="0" bIns="0" rtlCol="0">
+            <a:spAutoFit/>
+          </a:bodyPr>
+          <a:lstStyle/>
+          <a:p>
+            <a:pPr algn="ctr"/>
+            <a:r>
+              <a:rPr lang="es-AR" sz="2000" b="1" dirty="0" smtClean="0">
+                <a:solidFill>
+                  <a:schemeClr val="bg1"/>
+                </a:solidFill>
+                <a:latin typeface="Consolas" pitchFamily="49" charset="0"/>
+                <a:cs typeface="Consolas" pitchFamily="49" charset="0"/>
+              </a:rPr>
+              <a:t>Por favor espere por la siguiente</a:t>
+            </a:r>
+            <a:r>
+              <a:rPr lang="es-AR" sz="2000" b="1" dirty="0" smtClean="0">
+                <a:solidFill>
+                  <a:schemeClr val="bg1"/>
+                </a:solidFill>
+                <a:latin typeface="Consolas" pitchFamily="49" charset="0"/>
+                <a:cs typeface="Consolas" pitchFamily="49" charset="0"/>
+              </a:rPr>
+              <a:t> diapositiva</a:t>
+            </a:r>
+            <a:endParaRPr lang="es-AR" sz="2000" dirty="0" smtClean="0">
+              <a:gradFill>
+                <a:gsLst>
+                  <a:gs pos="0">
+                    <a:schemeClr val="tx1"/>
+                  </a:gs>
+                  <a:gs pos="86000">
+                    <a:schemeClr val="tx1"/>
+                  </a:gs>
+                </a:gsLst>
+                <a:lin ang="5400000" scaled="0"/>
+              </a:gradFill>
+            </a:endParaRPr>
+          </a:p>
+        </p:txBody>
+      </p:sp>
+      <p:sp>
+        <p:nvSpPr>
+          <p:cNvPr id="6" name="TextBox 5"/>
+          <p:cNvSpPr txBox="1"/>
+          <p:nvPr/>
+        </p:nvSpPr>
+        <p:spPr>
+          <a:xfrm>
+            <a:off x="1770928" y="3741684"/>
+            <a:ext cx="8894618" cy="307777"/>
+          </a:xfrm>
+          <a:prstGeom prst="rect">
+            <a:avLst/>
+          </a:prstGeom>
+          <a:noFill/>
+        </p:spPr>
+        <p:txBody>
+          <a:bodyPr wrap="square" lIns="0" tIns="0" rIns="0" bIns="0" rtlCol="0">
+            <a:spAutoFit/>
+          </a:bodyPr>
+          <a:lstStyle/>
+          <a:p>
+            <a:pPr algn="ctr"/>
+            <a:r>
+              <a:rPr lang="es-AR" sz="2000" b="1" dirty="0" smtClean="0">
+                <a:solidFill>
+                  <a:schemeClr val="bg1"/>
+                </a:solidFill>
+                <a:latin typeface="Consolas" pitchFamily="49" charset="0"/>
+                <a:cs typeface="Consolas" pitchFamily="49" charset="0"/>
+              </a:rPr>
+              <a:t>Cliquear no va a hacer que venga más rápido</a:t>
+            </a:r>
+            <a:endParaRPr lang="es-AR" sz="2000" dirty="0" smtClean="0">
+              <a:gradFill>
+                <a:gsLst>
+                  <a:gs pos="0">
+                    <a:schemeClr val="tx1"/>
+                  </a:gs>
+                  <a:gs pos="86000">
+                    <a:schemeClr val="tx1"/>
+                  </a:gs>
+                </a:gsLst>
+                <a:lin ang="5400000" scaled="0"/>
+              </a:gradFill>
+            </a:endParaRPr>
+          </a:p>
+        </p:txBody>
+      </p:sp>
+    </p:spTree>
+    <p:extLst>
+      <p:ext uri="{BB962C8B-B14F-4D97-AF65-F5344CB8AC3E}">
+        <p14:creationId xmlns:p14="http://schemas.microsoft.com/office/powerpoint/2010/main" val="3722982125"/>
+      </p:ext>
+    </p:extLst>
+  </p:cSld>
+  <p:clrMapOvr>
+    <a:masterClrMapping/>
+  </p:clrMapOvr>
+  <p:transition advClick="0">
+    <p:fade/>
+  </p:transition>
+  <p:timing>
+    <p:tnLst>
+      <p:par>
+        <p:cTn id="1" dur="indefinite" restart="never" nodeType="tmRoot">
+          <p:childTnLst>
+            <p:seq concurrent="1" nextAc="seek">
+              <p:cTn id="2" dur="indefinite" nodeType="mainSeq">
+                <p:childTnLst>
+                  <p:par>
+                    <p:cTn id="3" fill="hold">
+                      <p:stCondLst>
+                        <p:cond delay="indefinite"/>
+                        <p:cond evt="onBegin" delay="0">
+                          <p:tn val="2"/>
+                        </p:cond>
+                      </p:stCondLst>
+                      <p:childTnLst>
+                        <p:par>
+                          <p:cTn id="4" fill="hold">
+                            <p:stCondLst>
+                              <p:cond delay="0"/>
+                            </p:stCondLst>
+                            <p:childTnLst>
+                              <p:par>
+                                <p:cTn id="5" presetID="8" presetClass="emph" presetSubtype="0" repeatCount="indefinite" fill="hold" nodeType="withEffect">
+                                  <p:stCondLst>
+                                    <p:cond delay="0"/>
+                                  </p:stCondLst>
+                                  <p:childTnLst>
+                                    <p:animRot by="21600000">
+                                      <p:cBhvr>
+                                        <p:cTn id="6" dur="750" fill="hold"/>
+                                        <p:tgtEl>
+                                          <p:spTgt spid="4"/>
+                                        </p:tgtEl>
+                                        <p:attrNameLst>
+                                          <p:attrName>r</p:attrName>
+                                        </p:attrNameLst>
+                                      </p:cBhvr>
+                                    </p:animRot>
+                                  </p:childTnLst>
+                                </p:cTn>
+                              </p:par>
+                            </p:childTnLst>
+                          </p:cTn>
+                        </p:par>
+                      </p:childTnLst>
+                    </p:cTn>
+                  </p:par>
+                  <p:par>
+                    <p:cTn id="7" fill="hold">
+                      <p:stCondLst>
+                        <p:cond delay="indefinite"/>
+                      </p:stCondLst>
+                      <p:childTnLst>
+                        <p:par>
+                          <p:cTn id="8" fill="hold">
+                            <p:stCondLst>
+                              <p:cond delay="0"/>
+                            </p:stCondLst>
+                            <p:childTnLst>
+                              <p:par>
+                                <p:cTn id="9" presetID="1" presetClass="entr" presetSubtype="0" fill="hold" grpId="0" nodeType="clickEffect">
+                                  <p:stCondLst>
+                                    <p:cond delay="0"/>
+                                  </p:stCondLst>
+                                  <p:childTnLst>
+                                    <p:set>
+                                      <p:cBhvr>
+                                        <p:cTn id="10" dur="1" fill="hold">
+                                          <p:stCondLst>
+                                            <p:cond delay="0"/>
+                                          </p:stCondLst>
+                                        </p:cTn>
+                                        <p:tgtEl>
+                                          <p:spTgt spid="6"/>
+                                        </p:tgtEl>
+                                        <p:attrNameLst>
+                                          <p:attrName>style.visibility</p:attrName>
+                                        </p:attrNameLst>
+                                      </p:cBhvr>
+                                      <p:to>
+                                        <p:strVal val="visible"/>
+                                      </p:to>
+                                    </p:set>
+                                  </p:childTnLst>
+                                </p:cTn>
+                              </p:par>
+                            </p:childTnLst>
+                          </p:cTn>
+                        </p:par>
+                      </p:childTnLst>
+                    </p:cTn>
+                  </p:par>
+                </p:childTnLst>
+              </p:cTn>
+              <p:prevCondLst>
+                <p:cond evt="onPrev" delay="0">
+                  <p:tgtEl>
+                    <p:sldTgt/>
+                  </p:tgtEl>
+                </p:cond>
+              </p:prevCondLst>
+              <p:nextCondLst>
+                <p:cond evt="onNext" delay="0">
+                  <p:tgtEl>
+                    <p:sldTgt/>
+                  </p:tgtEl>
+                </p:cond>
+              </p:nextCondLst>
+            </p:seq>
+          </p:childTnLst>
+        </p:cTn>
+      </p:par>
+    </p:tnLst>
+    <p:bldLst>
+      <p:bldP spid="6" grpId="0"/>
+    </p:bldLst>
+  </p:timing>
+</p:sld>
+</file>
+
+<file path=ppt/slides/slide4.xml><?xml version="1.0" encoding="utf-8"?>
 <p:sld xmlns:a="http://schemas.openxmlformats.org/drawingml/2006/main" xmlns:r="http://schemas.openxmlformats.org/officeDocument/2006/relationships" xmlns:p="http://schemas.openxmlformats.org/presentationml/2006/main">
   <p:cSld>
     <p:spTree>
@@ -39861,7 +39596,7 @@
         <p:spPr>
           <a:xfrm>
             <a:off x="6123709" y="1504332"/>
-            <a:ext cx="6165273" cy="4173450"/>
+            <a:ext cx="6165273" cy="3360920"/>
           </a:xfrm>
         </p:spPr>
         <p:txBody>
@@ -39925,19 +39660,11 @@
             </a:pPr>
             <a:r>
               <a:rPr lang="es-AR" sz="2400" dirty="0" smtClean="0"/>
-              <a:t>Detalles: Diferentes pero similares</a:t>
+              <a:t>Detalles: Diferentes pero </a:t>
             </a:r>
-            <a:endParaRPr lang="es-AR" sz="2400" dirty="0"/>
-          </a:p>
-          <a:p>
-            <a:pPr>
-              <a:lnSpc>
-                <a:spcPct val="200000"/>
-              </a:lnSpc>
-            </a:pPr>
             <a:r>
               <a:rPr lang="es-AR" sz="2400" dirty="0" smtClean="0"/>
-              <a:t>Mucho más similar desde la versión Beta</a:t>
+              <a:t>similares</a:t>
             </a:r>
             <a:endParaRPr lang="es-AR" sz="2400" dirty="0"/>
           </a:p>
@@ -40289,58 +40016,6 @@
                             </p:childTnLst>
                           </p:cTn>
                         </p:par>
-                        <p:par>
-                          <p:cTn id="7" fill="hold">
-                            <p:stCondLst>
-                              <p:cond delay="2000"/>
-                            </p:stCondLst>
-                            <p:childTnLst>
-                              <p:par>
-                                <p:cTn id="8" presetID="10" presetClass="entr" presetSubtype="0" fill="hold" nodeType="afterEffect">
-                                  <p:stCondLst>
-                                    <p:cond delay="0"/>
-                                  </p:stCondLst>
-                                  <p:childTnLst>
-                                    <p:set>
-                                      <p:cBhvr>
-                                        <p:cTn id="9" dur="1" fill="hold">
-                                          <p:stCondLst>
-                                            <p:cond delay="0"/>
-                                          </p:stCondLst>
-                                        </p:cTn>
-                                        <p:tgtEl>
-                                          <p:spTgt spid="4">
-                                            <p:txEl>
-                                              <p:pRg st="4" end="4"/>
-                                            </p:txEl>
-                                          </p:spTgt>
-                                        </p:tgtEl>
-                                        <p:attrNameLst>
-                                          <p:attrName>style.visibility</p:attrName>
-                                        </p:attrNameLst>
-                                      </p:cBhvr>
-                                      <p:to>
-                                        <p:strVal val="visible"/>
-                                      </p:to>
-                                    </p:set>
-                                    <p:animEffect transition="in" filter="fade">
-                                      <p:cBhvr>
-                                        <p:cTn id="10" dur="500"/>
-                                        <p:tgtEl>
-                                          <p:spTgt spid="4">
-                                            <p:txEl>
-                                              <p:pRg st="4" end="4"/>
-                                            </p:txEl>
-                                          </p:spTgt>
-                                        </p:tgtEl>
-                                      </p:cBhvr>
-                                    </p:animEffect>
-                                  </p:childTnLst>
-                                </p:cTn>
-                              </p:par>
-                            </p:childTnLst>
-                          </p:cTn>
-                        </p:par>
                       </p:childTnLst>
                     </p:cTn>
                   </p:par>
@@ -40372,7 +40047,7 @@
 </p:sld>
 </file>
 
-<file path=ppt/slides/slide4.xml><?xml version="1.0" encoding="utf-8"?>
+<file path=ppt/slides/slide5.xml><?xml version="1.0" encoding="utf-8"?>
 <p:sld xmlns:a="http://schemas.openxmlformats.org/drawingml/2006/main" xmlns:r="http://schemas.openxmlformats.org/officeDocument/2006/relationships" xmlns:p="http://schemas.openxmlformats.org/presentationml/2006/main">
   <p:cSld>
     <p:spTree>
@@ -43358,7 +43033,7 @@
 </p:sld>
 </file>
 
-<file path=ppt/slides/slide5.xml><?xml version="1.0" encoding="utf-8"?>
+<file path=ppt/slides/slide6.xml><?xml version="1.0" encoding="utf-8"?>
 <p:sld xmlns:a="http://schemas.openxmlformats.org/drawingml/2006/main" xmlns:r="http://schemas.openxmlformats.org/officeDocument/2006/relationships" xmlns:p="http://schemas.openxmlformats.org/presentationml/2006/main">
   <p:cSld>
     <p:spTree>
@@ -45448,7 +45123,7 @@
 </p:sld>
 </file>
 
-<file path=ppt/slides/slide6.xml><?xml version="1.0" encoding="utf-8"?>
+<file path=ppt/slides/slide7.xml><?xml version="1.0" encoding="utf-8"?>
 <p:sld xmlns:a="http://schemas.openxmlformats.org/drawingml/2006/main" xmlns:r="http://schemas.openxmlformats.org/officeDocument/2006/relationships" xmlns:p="http://schemas.openxmlformats.org/presentationml/2006/main">
   <p:cSld>
     <p:spTree>
@@ -45549,7 +45224,7 @@
 </p:sld>
 </file>
 
-<file path=ppt/slides/slide7.xml><?xml version="1.0" encoding="utf-8"?>
+<file path=ppt/slides/slide8.xml><?xml version="1.0" encoding="utf-8"?>
 <p:sld xmlns:a="http://schemas.openxmlformats.org/drawingml/2006/main" xmlns:r="http://schemas.openxmlformats.org/officeDocument/2006/relationships" xmlns:p="http://schemas.openxmlformats.org/presentationml/2006/main">
   <p:cSld>
     <p:spTree>
@@ -45659,7 +45334,7 @@
 </p:sld>
 </file>
 
-<file path=ppt/slides/slide8.xml><?xml version="1.0" encoding="utf-8"?>
+<file path=ppt/slides/slide9.xml><?xml version="1.0" encoding="utf-8"?>
 <p:sld xmlns:a="http://schemas.openxmlformats.org/drawingml/2006/main" xmlns:r="http://schemas.openxmlformats.org/officeDocument/2006/relationships" xmlns:p="http://schemas.openxmlformats.org/presentationml/2006/main">
   <p:cSld>
     <p:spTree>
@@ -45725,90 +45400,6 @@
     <p:extLst>
       <p:ext uri="{BB962C8B-B14F-4D97-AF65-F5344CB8AC3E}">
         <p14:creationId xmlns:p14="http://schemas.microsoft.com/office/powerpoint/2010/main" val="3636552892"/>
-      </p:ext>
-    </p:extLst>
-  </p:cSld>
-  <p:clrMapOvr>
-    <a:masterClrMapping/>
-  </p:clrMapOvr>
-  <p:transition advClick="0">
-    <p:fade/>
-  </p:transition>
-  <p:timing>
-    <p:tnLst>
-      <p:par>
-        <p:cTn id="1" dur="indefinite" restart="never" nodeType="tmRoot"/>
-      </p:par>
-    </p:tnLst>
-  </p:timing>
-</p:sld>
-</file>
-
-<file path=ppt/slides/slide9.xml><?xml version="1.0" encoding="utf-8"?>
-<p:sld xmlns:a="http://schemas.openxmlformats.org/drawingml/2006/main" xmlns:r="http://schemas.openxmlformats.org/officeDocument/2006/relationships" xmlns:p="http://schemas.openxmlformats.org/presentationml/2006/main">
-  <p:cSld>
-    <p:spTree>
-      <p:nvGrpSpPr>
-        <p:cNvPr id="1" name=""/>
-        <p:cNvGrpSpPr/>
-        <p:nvPr/>
-      </p:nvGrpSpPr>
-      <p:grpSpPr>
-        <a:xfrm>
-          <a:off x="0" y="0"/>
-          <a:ext cx="0" cy="0"/>
-          <a:chOff x="0" y="0"/>
-          <a:chExt cx="0" cy="0"/>
-        </a:xfrm>
-      </p:grpSpPr>
-      <p:sp>
-        <p:nvSpPr>
-          <p:cNvPr id="6" name="Title 1"/>
-          <p:cNvSpPr>
-            <a:spLocks noGrp="1"/>
-          </p:cNvSpPr>
-          <p:nvPr>
-            <p:ph type="title" idx="4294967295"/>
-          </p:nvPr>
-        </p:nvSpPr>
-        <p:spPr>
-          <a:xfrm>
-            <a:off x="842674" y="2482850"/>
-            <a:ext cx="10751127" cy="2028825"/>
-          </a:xfrm>
-        </p:spPr>
-        <p:txBody>
-          <a:bodyPr anchor="ctr">
-            <a:noAutofit/>
-          </a:bodyPr>
-          <a:lstStyle/>
-          <a:p>
-            <a:pPr algn="ctr"/>
-            <a:r>
-              <a:rPr lang="es-AR" smtClean="0">
-                <a:latin typeface="Consolas" panose="020B0609020204030204" pitchFamily="49" charset="0"/>
-                <a:cs typeface="Consolas" panose="020B0609020204030204" pitchFamily="49" charset="0"/>
-              </a:rPr>
-              <a:t>await </a:t>
-            </a:r>
-            <a:br>
-              <a:rPr lang="es-AR" smtClean="0">
-                <a:latin typeface="Consolas" panose="020B0609020204030204" pitchFamily="49" charset="0"/>
-                <a:cs typeface="Consolas" panose="020B0609020204030204" pitchFamily="49" charset="0"/>
-              </a:rPr>
-            </a:br>
-            <a:r>
-              <a:rPr lang="es-AR" smtClean="0"/>
-              <a:t>convierte el resto del método en un callback</a:t>
-            </a:r>
-            <a:endParaRPr lang="es-AR"/>
-          </a:p>
-        </p:txBody>
-      </p:sp>
-    </p:spTree>
-    <p:extLst>
-      <p:ext uri="{BB962C8B-B14F-4D97-AF65-F5344CB8AC3E}">
-        <p14:creationId xmlns:p14="http://schemas.microsoft.com/office/powerpoint/2010/main" val="3421112980"/>
       </p:ext>
     </p:extLst>
   </p:cSld>
@@ -46697,6 +46288,12 @@
 </file>
 
 <file path=customXml/item1.xml><?xml version="1.0" encoding="utf-8"?>
+<p:properties xmlns:p="http://schemas.microsoft.com/office/2006/metadata/properties" xmlns:xsi="http://www.w3.org/2001/XMLSchema-instance" xmlns:pc="http://schemas.microsoft.com/office/infopath/2007/PartnerControls">
+  <documentManagement/>
+</p:properties>
+</file>
+
+<file path=customXml/item2.xml><?xml version="1.0" encoding="utf-8"?>
 <ct:contentTypeSchema xmlns:ct="http://schemas.microsoft.com/office/2006/metadata/contentType" xmlns:ma="http://schemas.microsoft.com/office/2006/metadata/properties/metaAttributes" ct:_="" ma:_="" ma:contentTypeName="Document" ma:contentTypeID="0x010100A2B0BB5962AB3C45A9A1CE1EC4C4F647" ma:contentTypeVersion="0" ma:contentTypeDescription="Create a new document." ma:contentTypeScope="" ma:versionID="16b75628e77f02951c453071cf8a016e">
   <xsd:schema xmlns:xsd="http://www.w3.org/2001/XMLSchema" xmlns:xs="http://www.w3.org/2001/XMLSchema" xmlns:p="http://schemas.microsoft.com/office/2006/metadata/properties" targetNamespace="http://schemas.microsoft.com/office/2006/metadata/properties" ma:root="true" ma:fieldsID="3bf1d1d65b83a35312c7df0375d09d62">
     <xsd:element name="properties">
@@ -46810,12 +46407,6 @@
 </ct:contentTypeSchema>
 </file>
 
-<file path=customXml/item2.xml><?xml version="1.0" encoding="utf-8"?>
-<p:properties xmlns:p="http://schemas.microsoft.com/office/2006/metadata/properties" xmlns:xsi="http://www.w3.org/2001/XMLSchema-instance" xmlns:pc="http://schemas.microsoft.com/office/infopath/2007/PartnerControls">
-  <documentManagement/>
-</p:properties>
-</file>
-
 <file path=customXml/item3.xml><?xml version="1.0" encoding="utf-8"?>
 <?mso-contentType ?>
 <FormTemplates xmlns="http://schemas.microsoft.com/sharepoint/v3/contenttype/forms">
@@ -46826,6 +46417,21 @@
 </file>
 
 <file path=customXml/itemProps1.xml><?xml version="1.0" encoding="utf-8"?>
+<ds:datastoreItem xmlns:ds="http://schemas.openxmlformats.org/officeDocument/2006/customXml" ds:itemID="{F990F116-B58F-4255-B05B-DA3808E0E5C6}">
+  <ds:schemaRefs>
+    <ds:schemaRef ds:uri="http://schemas.openxmlformats.org/package/2006/metadata/core-properties"/>
+    <ds:schemaRef ds:uri="http://schemas.microsoft.com/office/2006/metadata/properties"/>
+    <ds:schemaRef ds:uri="http://purl.org/dc/terms/"/>
+    <ds:schemaRef ds:uri="http://schemas.microsoft.com/office/infopath/2007/PartnerControls"/>
+    <ds:schemaRef ds:uri="http://www.w3.org/XML/1998/namespace"/>
+    <ds:schemaRef ds:uri="http://purl.org/dc/elements/1.1/"/>
+    <ds:schemaRef ds:uri="http://schemas.microsoft.com/office/2006/documentManagement/types"/>
+    <ds:schemaRef ds:uri="http://purl.org/dc/dcmitype/"/>
+  </ds:schemaRefs>
+</ds:datastoreItem>
+</file>
+
+<file path=customXml/itemProps2.xml><?xml version="1.0" encoding="utf-8"?>
 <ds:datastoreItem xmlns:ds="http://schemas.openxmlformats.org/officeDocument/2006/customXml" ds:itemID="{23A54C81-9AB5-446A-878C-797D859B38CC}">
   <ds:schemaRefs>
     <ds:schemaRef ds:uri="http://schemas.microsoft.com/office/2006/metadata/contentType"/>
@@ -46841,21 +46447,6 @@
 </ds:datastoreItem>
 </file>
 
-<file path=customXml/itemProps2.xml><?xml version="1.0" encoding="utf-8"?>
-<ds:datastoreItem xmlns:ds="http://schemas.openxmlformats.org/officeDocument/2006/customXml" ds:itemID="{F990F116-B58F-4255-B05B-DA3808E0E5C6}">
-  <ds:schemaRefs>
-    <ds:schemaRef ds:uri="http://schemas.openxmlformats.org/package/2006/metadata/core-properties"/>
-    <ds:schemaRef ds:uri="http://schemas.microsoft.com/office/2006/metadata/properties"/>
-    <ds:schemaRef ds:uri="http://purl.org/dc/terms/"/>
-    <ds:schemaRef ds:uri="http://schemas.microsoft.com/office/infopath/2007/PartnerControls"/>
-    <ds:schemaRef ds:uri="http://www.w3.org/XML/1998/namespace"/>
-    <ds:schemaRef ds:uri="http://purl.org/dc/elements/1.1/"/>
-    <ds:schemaRef ds:uri="http://schemas.microsoft.com/office/2006/documentManagement/types"/>
-    <ds:schemaRef ds:uri="http://purl.org/dc/dcmitype/"/>
-  </ds:schemaRefs>
-</ds:datastoreItem>
-</file>
-
 <file path=customXml/itemProps3.xml><?xml version="1.0" encoding="utf-8"?>
 <ds:datastoreItem xmlns:ds="http://schemas.openxmlformats.org/officeDocument/2006/customXml" ds:itemID="{758FDAC0-319D-4A54-8D8E-1D42CB1F8004}">
   <ds:schemaRefs>
